--- a/project_slides.pptx
+++ b/project_slides.pptx
@@ -5,10 +5,10 @@
     <p:sldMasterId id="2147483648" r:id="rId1"/>
   </p:sldMasterIdLst>
   <p:notesMasterIdLst>
-    <p:notesMasterId r:id="rId9"/>
+    <p:notesMasterId r:id="rId7"/>
   </p:notesMasterIdLst>
   <p:handoutMasterIdLst>
-    <p:handoutMasterId r:id="rId10"/>
+    <p:handoutMasterId r:id="rId8"/>
   </p:handoutMasterIdLst>
   <p:sldIdLst>
     <p:sldId id="277" r:id="rId2"/>
@@ -16,8 +16,6 @@
     <p:sldId id="278" r:id="rId4"/>
     <p:sldId id="279" r:id="rId5"/>
     <p:sldId id="268" r:id="rId6"/>
-    <p:sldId id="270" r:id="rId7"/>
-    <p:sldId id="269" r:id="rId8"/>
   </p:sldIdLst>
   <p:sldSz cx="12192000" cy="6858000"/>
   <p:notesSz cx="6858000" cy="9144000"/>
@@ -138,2855 +136,6 @@
 </p:presentation>
 </file>
 
-<file path=ppt/diagrams/colors1.xml><?xml version="1.0" encoding="utf-8"?>
-<dgm:colorsDef xmlns:dgm="http://schemas.openxmlformats.org/drawingml/2006/diagram" xmlns:a="http://schemas.openxmlformats.org/drawingml/2006/main" uniqueId="urn:microsoft.com/office/officeart/2005/8/colors/accent1_2">
-  <dgm:title val=""/>
-  <dgm:desc val=""/>
-  <dgm:catLst>
-    <dgm:cat type="accent1" pri="11200"/>
-  </dgm:catLst>
-  <dgm:styleLbl name="node0">
-    <dgm:fillClrLst meth="repeat">
-      <a:schemeClr val="accent1"/>
-    </dgm:fillClrLst>
-    <dgm:linClrLst meth="repeat">
-      <a:schemeClr val="lt1"/>
-    </dgm:linClrLst>
-    <dgm:effectClrLst/>
-    <dgm:txLinClrLst/>
-    <dgm:txFillClrLst/>
-    <dgm:txEffectClrLst/>
-  </dgm:styleLbl>
-  <dgm:styleLbl name="alignNode1">
-    <dgm:fillClrLst meth="repeat">
-      <a:schemeClr val="accent1"/>
-    </dgm:fillClrLst>
-    <dgm:linClrLst meth="repeat">
-      <a:schemeClr val="accent1"/>
-    </dgm:linClrLst>
-    <dgm:effectClrLst/>
-    <dgm:txLinClrLst/>
-    <dgm:txFillClrLst/>
-    <dgm:txEffectClrLst/>
-  </dgm:styleLbl>
-  <dgm:styleLbl name="node1">
-    <dgm:fillClrLst meth="repeat">
-      <a:schemeClr val="accent1"/>
-    </dgm:fillClrLst>
-    <dgm:linClrLst meth="repeat">
-      <a:schemeClr val="lt1"/>
-    </dgm:linClrLst>
-    <dgm:effectClrLst/>
-    <dgm:txLinClrLst/>
-    <dgm:txFillClrLst/>
-    <dgm:txEffectClrLst/>
-  </dgm:styleLbl>
-  <dgm:styleLbl name="lnNode1">
-    <dgm:fillClrLst meth="repeat">
-      <a:schemeClr val="accent1"/>
-    </dgm:fillClrLst>
-    <dgm:linClrLst meth="repeat">
-      <a:schemeClr val="lt1"/>
-    </dgm:linClrLst>
-    <dgm:effectClrLst/>
-    <dgm:txLinClrLst/>
-    <dgm:txFillClrLst/>
-    <dgm:txEffectClrLst/>
-  </dgm:styleLbl>
-  <dgm:styleLbl name="vennNode1">
-    <dgm:fillClrLst meth="repeat">
-      <a:schemeClr val="accent1">
-        <a:alpha val="50000"/>
-      </a:schemeClr>
-    </dgm:fillClrLst>
-    <dgm:linClrLst meth="repeat">
-      <a:schemeClr val="lt1"/>
-    </dgm:linClrLst>
-    <dgm:effectClrLst/>
-    <dgm:txLinClrLst/>
-    <dgm:txFillClrLst/>
-    <dgm:txEffectClrLst/>
-  </dgm:styleLbl>
-  <dgm:styleLbl name="node2">
-    <dgm:fillClrLst meth="repeat">
-      <a:schemeClr val="accent1"/>
-    </dgm:fillClrLst>
-    <dgm:linClrLst meth="repeat">
-      <a:schemeClr val="lt1"/>
-    </dgm:linClrLst>
-    <dgm:effectClrLst/>
-    <dgm:txLinClrLst/>
-    <dgm:txFillClrLst/>
-    <dgm:txEffectClrLst/>
-  </dgm:styleLbl>
-  <dgm:styleLbl name="node3">
-    <dgm:fillClrLst meth="repeat">
-      <a:schemeClr val="accent1"/>
-    </dgm:fillClrLst>
-    <dgm:linClrLst meth="repeat">
-      <a:schemeClr val="lt1"/>
-    </dgm:linClrLst>
-    <dgm:effectClrLst/>
-    <dgm:txLinClrLst/>
-    <dgm:txFillClrLst/>
-    <dgm:txEffectClrLst/>
-  </dgm:styleLbl>
-  <dgm:styleLbl name="node4">
-    <dgm:fillClrLst meth="repeat">
-      <a:schemeClr val="accent1"/>
-    </dgm:fillClrLst>
-    <dgm:linClrLst meth="repeat">
-      <a:schemeClr val="lt1"/>
-    </dgm:linClrLst>
-    <dgm:effectClrLst/>
-    <dgm:txLinClrLst/>
-    <dgm:txFillClrLst/>
-    <dgm:txEffectClrLst/>
-  </dgm:styleLbl>
-  <dgm:styleLbl name="fgImgPlace1">
-    <dgm:fillClrLst meth="repeat">
-      <a:schemeClr val="accent1">
-        <a:tint val="50000"/>
-      </a:schemeClr>
-    </dgm:fillClrLst>
-    <dgm:linClrLst meth="repeat">
-      <a:schemeClr val="lt1"/>
-    </dgm:linClrLst>
-    <dgm:effectClrLst/>
-    <dgm:txLinClrLst/>
-    <dgm:txFillClrLst meth="repeat">
-      <a:schemeClr val="lt1"/>
-    </dgm:txFillClrLst>
-    <dgm:txEffectClrLst/>
-  </dgm:styleLbl>
-  <dgm:styleLbl name="alignImgPlace1">
-    <dgm:fillClrLst meth="repeat">
-      <a:schemeClr val="accent1">
-        <a:tint val="50000"/>
-      </a:schemeClr>
-    </dgm:fillClrLst>
-    <dgm:linClrLst meth="repeat">
-      <a:schemeClr val="lt1"/>
-    </dgm:linClrLst>
-    <dgm:effectClrLst/>
-    <dgm:txLinClrLst/>
-    <dgm:txFillClrLst meth="repeat">
-      <a:schemeClr val="lt1"/>
-    </dgm:txFillClrLst>
-    <dgm:txEffectClrLst/>
-  </dgm:styleLbl>
-  <dgm:styleLbl name="bgImgPlace1">
-    <dgm:fillClrLst meth="repeat">
-      <a:schemeClr val="accent1">
-        <a:tint val="50000"/>
-      </a:schemeClr>
-    </dgm:fillClrLst>
-    <dgm:linClrLst meth="repeat">
-      <a:schemeClr val="lt1"/>
-    </dgm:linClrLst>
-    <dgm:effectClrLst/>
-    <dgm:txLinClrLst/>
-    <dgm:txFillClrLst meth="repeat">
-      <a:schemeClr val="lt1"/>
-    </dgm:txFillClrLst>
-    <dgm:txEffectClrLst/>
-  </dgm:styleLbl>
-  <dgm:styleLbl name="sibTrans2D1">
-    <dgm:fillClrLst meth="repeat">
-      <a:schemeClr val="accent1">
-        <a:tint val="60000"/>
-      </a:schemeClr>
-    </dgm:fillClrLst>
-    <dgm:linClrLst meth="repeat">
-      <a:schemeClr val="accent1">
-        <a:tint val="60000"/>
-      </a:schemeClr>
-    </dgm:linClrLst>
-    <dgm:effectClrLst/>
-    <dgm:txLinClrLst/>
-    <dgm:txFillClrLst/>
-    <dgm:txEffectClrLst/>
-  </dgm:styleLbl>
-  <dgm:styleLbl name="fgSibTrans2D1">
-    <dgm:fillClrLst meth="repeat">
-      <a:schemeClr val="accent1">
-        <a:tint val="60000"/>
-      </a:schemeClr>
-    </dgm:fillClrLst>
-    <dgm:linClrLst meth="repeat">
-      <a:schemeClr val="accent1">
-        <a:tint val="60000"/>
-      </a:schemeClr>
-    </dgm:linClrLst>
-    <dgm:effectClrLst/>
-    <dgm:txLinClrLst/>
-    <dgm:txFillClrLst/>
-    <dgm:txEffectClrLst/>
-  </dgm:styleLbl>
-  <dgm:styleLbl name="bgSibTrans2D1">
-    <dgm:fillClrLst meth="repeat">
-      <a:schemeClr val="accent1">
-        <a:tint val="60000"/>
-      </a:schemeClr>
-    </dgm:fillClrLst>
-    <dgm:linClrLst meth="repeat">
-      <a:schemeClr val="accent1">
-        <a:tint val="60000"/>
-      </a:schemeClr>
-    </dgm:linClrLst>
-    <dgm:effectClrLst/>
-    <dgm:txLinClrLst/>
-    <dgm:txFillClrLst/>
-    <dgm:txEffectClrLst/>
-  </dgm:styleLbl>
-  <dgm:styleLbl name="sibTrans1D1">
-    <dgm:fillClrLst meth="repeat">
-      <a:schemeClr val="accent1"/>
-    </dgm:fillClrLst>
-    <dgm:linClrLst meth="repeat">
-      <a:schemeClr val="accent1"/>
-    </dgm:linClrLst>
-    <dgm:effectClrLst/>
-    <dgm:txLinClrLst/>
-    <dgm:txFillClrLst meth="repeat">
-      <a:schemeClr val="tx1"/>
-    </dgm:txFillClrLst>
-    <dgm:txEffectClrLst/>
-  </dgm:styleLbl>
-  <dgm:styleLbl name="callout">
-    <dgm:fillClrLst meth="repeat">
-      <a:schemeClr val="accent1"/>
-    </dgm:fillClrLst>
-    <dgm:linClrLst meth="repeat">
-      <a:schemeClr val="accent1">
-        <a:tint val="50000"/>
-      </a:schemeClr>
-    </dgm:linClrLst>
-    <dgm:effectClrLst/>
-    <dgm:txLinClrLst/>
-    <dgm:txFillClrLst meth="repeat">
-      <a:schemeClr val="tx1"/>
-    </dgm:txFillClrLst>
-    <dgm:txEffectClrLst/>
-  </dgm:styleLbl>
-  <dgm:styleLbl name="asst0">
-    <dgm:fillClrLst meth="repeat">
-      <a:schemeClr val="accent1"/>
-    </dgm:fillClrLst>
-    <dgm:linClrLst meth="repeat">
-      <a:schemeClr val="lt1"/>
-    </dgm:linClrLst>
-    <dgm:effectClrLst/>
-    <dgm:txLinClrLst/>
-    <dgm:txFillClrLst/>
-    <dgm:txEffectClrLst/>
-  </dgm:styleLbl>
-  <dgm:styleLbl name="asst1">
-    <dgm:fillClrLst meth="repeat">
-      <a:schemeClr val="accent1"/>
-    </dgm:fillClrLst>
-    <dgm:linClrLst meth="repeat">
-      <a:schemeClr val="lt1"/>
-    </dgm:linClrLst>
-    <dgm:effectClrLst/>
-    <dgm:txLinClrLst/>
-    <dgm:txFillClrLst/>
-    <dgm:txEffectClrLst/>
-  </dgm:styleLbl>
-  <dgm:styleLbl name="asst2">
-    <dgm:fillClrLst meth="repeat">
-      <a:schemeClr val="accent1"/>
-    </dgm:fillClrLst>
-    <dgm:linClrLst meth="repeat">
-      <a:schemeClr val="lt1"/>
-    </dgm:linClrLst>
-    <dgm:effectClrLst/>
-    <dgm:txLinClrLst/>
-    <dgm:txFillClrLst/>
-    <dgm:txEffectClrLst/>
-  </dgm:styleLbl>
-  <dgm:styleLbl name="asst3">
-    <dgm:fillClrLst meth="repeat">
-      <a:schemeClr val="accent1"/>
-    </dgm:fillClrLst>
-    <dgm:linClrLst meth="repeat">
-      <a:schemeClr val="lt1"/>
-    </dgm:linClrLst>
-    <dgm:effectClrLst/>
-    <dgm:txLinClrLst/>
-    <dgm:txFillClrLst/>
-    <dgm:txEffectClrLst/>
-  </dgm:styleLbl>
-  <dgm:styleLbl name="asst4">
-    <dgm:fillClrLst meth="repeat">
-      <a:schemeClr val="accent1"/>
-    </dgm:fillClrLst>
-    <dgm:linClrLst meth="repeat">
-      <a:schemeClr val="lt1"/>
-    </dgm:linClrLst>
-    <dgm:effectClrLst/>
-    <dgm:txLinClrLst/>
-    <dgm:txFillClrLst/>
-    <dgm:txEffectClrLst/>
-  </dgm:styleLbl>
-  <dgm:styleLbl name="parChTrans2D1">
-    <dgm:fillClrLst meth="repeat">
-      <a:schemeClr val="accent1">
-        <a:tint val="60000"/>
-      </a:schemeClr>
-    </dgm:fillClrLst>
-    <dgm:linClrLst meth="repeat">
-      <a:schemeClr val="accent1">
-        <a:tint val="60000"/>
-      </a:schemeClr>
-    </dgm:linClrLst>
-    <dgm:effectClrLst/>
-    <dgm:txLinClrLst/>
-    <dgm:txFillClrLst meth="repeat">
-      <a:schemeClr val="lt1"/>
-    </dgm:txFillClrLst>
-    <dgm:txEffectClrLst/>
-  </dgm:styleLbl>
-  <dgm:styleLbl name="parChTrans2D2">
-    <dgm:fillClrLst meth="repeat">
-      <a:schemeClr val="accent1"/>
-    </dgm:fillClrLst>
-    <dgm:linClrLst meth="repeat">
-      <a:schemeClr val="accent1"/>
-    </dgm:linClrLst>
-    <dgm:effectClrLst/>
-    <dgm:txLinClrLst/>
-    <dgm:txFillClrLst meth="repeat">
-      <a:schemeClr val="lt1"/>
-    </dgm:txFillClrLst>
-    <dgm:txEffectClrLst/>
-  </dgm:styleLbl>
-  <dgm:styleLbl name="parChTrans2D3">
-    <dgm:fillClrLst meth="repeat">
-      <a:schemeClr val="accent1"/>
-    </dgm:fillClrLst>
-    <dgm:linClrLst meth="repeat">
-      <a:schemeClr val="accent1"/>
-    </dgm:linClrLst>
-    <dgm:effectClrLst/>
-    <dgm:txLinClrLst/>
-    <dgm:txFillClrLst meth="repeat">
-      <a:schemeClr val="lt1"/>
-    </dgm:txFillClrLst>
-    <dgm:txEffectClrLst/>
-  </dgm:styleLbl>
-  <dgm:styleLbl name="parChTrans2D4">
-    <dgm:fillClrLst meth="repeat">
-      <a:schemeClr val="accent1"/>
-    </dgm:fillClrLst>
-    <dgm:linClrLst meth="repeat">
-      <a:schemeClr val="accent1"/>
-    </dgm:linClrLst>
-    <dgm:effectClrLst/>
-    <dgm:txLinClrLst/>
-    <dgm:txFillClrLst meth="repeat">
-      <a:schemeClr val="lt1"/>
-    </dgm:txFillClrLst>
-    <dgm:txEffectClrLst/>
-  </dgm:styleLbl>
-  <dgm:styleLbl name="parChTrans1D1">
-    <dgm:fillClrLst meth="repeat">
-      <a:schemeClr val="accent1"/>
-    </dgm:fillClrLst>
-    <dgm:linClrLst meth="repeat">
-      <a:schemeClr val="accent1">
-        <a:shade val="60000"/>
-      </a:schemeClr>
-    </dgm:linClrLst>
-    <dgm:effectClrLst/>
-    <dgm:txLinClrLst/>
-    <dgm:txFillClrLst meth="repeat">
-      <a:schemeClr val="tx1"/>
-    </dgm:txFillClrLst>
-    <dgm:txEffectClrLst/>
-  </dgm:styleLbl>
-  <dgm:styleLbl name="parChTrans1D2">
-    <dgm:fillClrLst meth="repeat">
-      <a:schemeClr val="accent1"/>
-    </dgm:fillClrLst>
-    <dgm:linClrLst meth="repeat">
-      <a:schemeClr val="accent1">
-        <a:shade val="60000"/>
-      </a:schemeClr>
-    </dgm:linClrLst>
-    <dgm:effectClrLst/>
-    <dgm:txLinClrLst/>
-    <dgm:txFillClrLst meth="repeat">
-      <a:schemeClr val="tx1"/>
-    </dgm:txFillClrLst>
-    <dgm:txEffectClrLst/>
-  </dgm:styleLbl>
-  <dgm:styleLbl name="parChTrans1D3">
-    <dgm:fillClrLst meth="repeat">
-      <a:schemeClr val="accent1"/>
-    </dgm:fillClrLst>
-    <dgm:linClrLst meth="repeat">
-      <a:schemeClr val="accent1">
-        <a:shade val="80000"/>
-      </a:schemeClr>
-    </dgm:linClrLst>
-    <dgm:effectClrLst/>
-    <dgm:txLinClrLst/>
-    <dgm:txFillClrLst meth="repeat">
-      <a:schemeClr val="tx1"/>
-    </dgm:txFillClrLst>
-    <dgm:txEffectClrLst/>
-  </dgm:styleLbl>
-  <dgm:styleLbl name="parChTrans1D4">
-    <dgm:fillClrLst meth="repeat">
-      <a:schemeClr val="accent1"/>
-    </dgm:fillClrLst>
-    <dgm:linClrLst meth="repeat">
-      <a:schemeClr val="accent1">
-        <a:shade val="80000"/>
-      </a:schemeClr>
-    </dgm:linClrLst>
-    <dgm:effectClrLst/>
-    <dgm:txLinClrLst/>
-    <dgm:txFillClrLst meth="repeat">
-      <a:schemeClr val="tx1"/>
-    </dgm:txFillClrLst>
-    <dgm:txEffectClrLst/>
-  </dgm:styleLbl>
-  <dgm:styleLbl name="fgAcc1">
-    <dgm:fillClrLst meth="repeat">
-      <a:schemeClr val="lt1">
-        <a:alpha val="90000"/>
-      </a:schemeClr>
-    </dgm:fillClrLst>
-    <dgm:linClrLst meth="repeat">
-      <a:schemeClr val="accent1"/>
-    </dgm:linClrLst>
-    <dgm:effectClrLst/>
-    <dgm:txLinClrLst/>
-    <dgm:txFillClrLst meth="repeat">
-      <a:schemeClr val="dk1"/>
-    </dgm:txFillClrLst>
-    <dgm:txEffectClrLst/>
-  </dgm:styleLbl>
-  <dgm:styleLbl name="conFgAcc1">
-    <dgm:fillClrLst meth="repeat">
-      <a:schemeClr val="lt1">
-        <a:alpha val="90000"/>
-      </a:schemeClr>
-    </dgm:fillClrLst>
-    <dgm:linClrLst meth="repeat">
-      <a:schemeClr val="accent1"/>
-    </dgm:linClrLst>
-    <dgm:effectClrLst/>
-    <dgm:txLinClrLst/>
-    <dgm:txFillClrLst meth="repeat">
-      <a:schemeClr val="dk1"/>
-    </dgm:txFillClrLst>
-    <dgm:txEffectClrLst/>
-  </dgm:styleLbl>
-  <dgm:styleLbl name="alignAcc1">
-    <dgm:fillClrLst meth="repeat">
-      <a:schemeClr val="lt1">
-        <a:alpha val="90000"/>
-      </a:schemeClr>
-    </dgm:fillClrLst>
-    <dgm:linClrLst meth="repeat">
-      <a:schemeClr val="accent1"/>
-    </dgm:linClrLst>
-    <dgm:effectClrLst/>
-    <dgm:txLinClrLst/>
-    <dgm:txFillClrLst meth="repeat">
-      <a:schemeClr val="dk1"/>
-    </dgm:txFillClrLst>
-    <dgm:txEffectClrLst/>
-  </dgm:styleLbl>
-  <dgm:styleLbl name="trAlignAcc1">
-    <dgm:fillClrLst meth="repeat">
-      <a:schemeClr val="lt1">
-        <a:alpha val="40000"/>
-      </a:schemeClr>
-    </dgm:fillClrLst>
-    <dgm:linClrLst meth="repeat">
-      <a:schemeClr val="accent1"/>
-    </dgm:linClrLst>
-    <dgm:effectClrLst/>
-    <dgm:txLinClrLst/>
-    <dgm:txFillClrLst meth="repeat">
-      <a:schemeClr val="dk1"/>
-    </dgm:txFillClrLst>
-    <dgm:txEffectClrLst/>
-  </dgm:styleLbl>
-  <dgm:styleLbl name="bgAcc1">
-    <dgm:fillClrLst meth="repeat">
-      <a:schemeClr val="lt1">
-        <a:alpha val="90000"/>
-      </a:schemeClr>
-    </dgm:fillClrLst>
-    <dgm:linClrLst meth="repeat">
-      <a:schemeClr val="accent1"/>
-    </dgm:linClrLst>
-    <dgm:effectClrLst/>
-    <dgm:txLinClrLst/>
-    <dgm:txFillClrLst meth="repeat">
-      <a:schemeClr val="dk1"/>
-    </dgm:txFillClrLst>
-    <dgm:txEffectClrLst/>
-  </dgm:styleLbl>
-  <dgm:styleLbl name="solidFgAcc1">
-    <dgm:fillClrLst meth="repeat">
-      <a:schemeClr val="lt1"/>
-    </dgm:fillClrLst>
-    <dgm:linClrLst meth="repeat">
-      <a:schemeClr val="accent1"/>
-    </dgm:linClrLst>
-    <dgm:effectClrLst/>
-    <dgm:txLinClrLst/>
-    <dgm:txFillClrLst meth="repeat">
-      <a:schemeClr val="dk1"/>
-    </dgm:txFillClrLst>
-    <dgm:txEffectClrLst/>
-  </dgm:styleLbl>
-  <dgm:styleLbl name="solidAlignAcc1">
-    <dgm:fillClrLst meth="repeat">
-      <a:schemeClr val="lt1"/>
-    </dgm:fillClrLst>
-    <dgm:linClrLst meth="repeat">
-      <a:schemeClr val="accent1"/>
-    </dgm:linClrLst>
-    <dgm:effectClrLst/>
-    <dgm:txLinClrLst/>
-    <dgm:txFillClrLst meth="repeat">
-      <a:schemeClr val="dk1"/>
-    </dgm:txFillClrLst>
-    <dgm:txEffectClrLst/>
-  </dgm:styleLbl>
-  <dgm:styleLbl name="solidBgAcc1">
-    <dgm:fillClrLst meth="repeat">
-      <a:schemeClr val="lt1"/>
-    </dgm:fillClrLst>
-    <dgm:linClrLst meth="repeat">
-      <a:schemeClr val="accent1"/>
-    </dgm:linClrLst>
-    <dgm:effectClrLst/>
-    <dgm:txLinClrLst/>
-    <dgm:txFillClrLst meth="repeat">
-      <a:schemeClr val="dk1"/>
-    </dgm:txFillClrLst>
-    <dgm:txEffectClrLst/>
-  </dgm:styleLbl>
-  <dgm:styleLbl name="fgAccFollowNode1">
-    <dgm:fillClrLst meth="repeat">
-      <a:schemeClr val="accent1">
-        <a:alpha val="90000"/>
-        <a:tint val="40000"/>
-      </a:schemeClr>
-    </dgm:fillClrLst>
-    <dgm:linClrLst meth="repeat">
-      <a:schemeClr val="accent1">
-        <a:alpha val="90000"/>
-        <a:tint val="40000"/>
-      </a:schemeClr>
-    </dgm:linClrLst>
-    <dgm:effectClrLst/>
-    <dgm:txLinClrLst/>
-    <dgm:txFillClrLst meth="repeat">
-      <a:schemeClr val="dk1"/>
-    </dgm:txFillClrLst>
-    <dgm:txEffectClrLst/>
-  </dgm:styleLbl>
-  <dgm:styleLbl name="alignAccFollowNode1">
-    <dgm:fillClrLst meth="repeat">
-      <a:schemeClr val="accent1">
-        <a:alpha val="90000"/>
-        <a:tint val="40000"/>
-      </a:schemeClr>
-    </dgm:fillClrLst>
-    <dgm:linClrLst meth="repeat">
-      <a:schemeClr val="accent1">
-        <a:alpha val="90000"/>
-        <a:tint val="40000"/>
-      </a:schemeClr>
-    </dgm:linClrLst>
-    <dgm:effectClrLst/>
-    <dgm:txLinClrLst/>
-    <dgm:txFillClrLst meth="repeat">
-      <a:schemeClr val="dk1"/>
-    </dgm:txFillClrLst>
-    <dgm:txEffectClrLst/>
-  </dgm:styleLbl>
-  <dgm:styleLbl name="bgAccFollowNode1">
-    <dgm:fillClrLst meth="repeat">
-      <a:schemeClr val="accent1">
-        <a:alpha val="90000"/>
-        <a:tint val="40000"/>
-      </a:schemeClr>
-    </dgm:fillClrLst>
-    <dgm:linClrLst meth="repeat">
-      <a:schemeClr val="accent1">
-        <a:alpha val="90000"/>
-        <a:tint val="40000"/>
-      </a:schemeClr>
-    </dgm:linClrLst>
-    <dgm:effectClrLst/>
-    <dgm:txLinClrLst/>
-    <dgm:txFillClrLst meth="repeat">
-      <a:schemeClr val="dk1"/>
-    </dgm:txFillClrLst>
-    <dgm:txEffectClrLst/>
-  </dgm:styleLbl>
-  <dgm:styleLbl name="fgAcc0">
-    <dgm:fillClrLst meth="repeat">
-      <a:schemeClr val="lt1">
-        <a:alpha val="90000"/>
-      </a:schemeClr>
-    </dgm:fillClrLst>
-    <dgm:linClrLst meth="repeat">
-      <a:schemeClr val="accent1"/>
-    </dgm:linClrLst>
-    <dgm:effectClrLst/>
-    <dgm:txLinClrLst/>
-    <dgm:txFillClrLst meth="repeat">
-      <a:schemeClr val="dk1"/>
-    </dgm:txFillClrLst>
-    <dgm:txEffectClrLst/>
-  </dgm:styleLbl>
-  <dgm:styleLbl name="fgAcc2">
-    <dgm:fillClrLst meth="repeat">
-      <a:schemeClr val="lt1">
-        <a:alpha val="90000"/>
-      </a:schemeClr>
-    </dgm:fillClrLst>
-    <dgm:linClrLst meth="repeat">
-      <a:schemeClr val="accent1"/>
-    </dgm:linClrLst>
-    <dgm:effectClrLst/>
-    <dgm:txLinClrLst/>
-    <dgm:txFillClrLst meth="repeat">
-      <a:schemeClr val="dk1"/>
-    </dgm:txFillClrLst>
-    <dgm:txEffectClrLst/>
-  </dgm:styleLbl>
-  <dgm:styleLbl name="fgAcc3">
-    <dgm:fillClrLst meth="repeat">
-      <a:schemeClr val="lt1">
-        <a:alpha val="90000"/>
-      </a:schemeClr>
-    </dgm:fillClrLst>
-    <dgm:linClrLst meth="repeat">
-      <a:schemeClr val="accent1"/>
-    </dgm:linClrLst>
-    <dgm:effectClrLst/>
-    <dgm:txLinClrLst/>
-    <dgm:txFillClrLst meth="repeat">
-      <a:schemeClr val="dk1"/>
-    </dgm:txFillClrLst>
-    <dgm:txEffectClrLst/>
-  </dgm:styleLbl>
-  <dgm:styleLbl name="fgAcc4">
-    <dgm:fillClrLst meth="repeat">
-      <a:schemeClr val="lt1">
-        <a:alpha val="90000"/>
-      </a:schemeClr>
-    </dgm:fillClrLst>
-    <dgm:linClrLst meth="repeat">
-      <a:schemeClr val="accent1"/>
-    </dgm:linClrLst>
-    <dgm:effectClrLst/>
-    <dgm:txLinClrLst/>
-    <dgm:txFillClrLst meth="repeat">
-      <a:schemeClr val="dk1"/>
-    </dgm:txFillClrLst>
-    <dgm:txEffectClrLst/>
-  </dgm:styleLbl>
-  <dgm:styleLbl name="bgShp">
-    <dgm:fillClrLst meth="repeat">
-      <a:schemeClr val="accent1">
-        <a:tint val="40000"/>
-      </a:schemeClr>
-    </dgm:fillClrLst>
-    <dgm:linClrLst meth="repeat">
-      <a:schemeClr val="accent1"/>
-    </dgm:linClrLst>
-    <dgm:effectClrLst/>
-    <dgm:txLinClrLst/>
-    <dgm:txFillClrLst meth="repeat">
-      <a:schemeClr val="dk1"/>
-    </dgm:txFillClrLst>
-    <dgm:txEffectClrLst/>
-  </dgm:styleLbl>
-  <dgm:styleLbl name="dkBgShp">
-    <dgm:fillClrLst meth="repeat">
-      <a:schemeClr val="accent1">
-        <a:shade val="80000"/>
-      </a:schemeClr>
-    </dgm:fillClrLst>
-    <dgm:linClrLst meth="repeat">
-      <a:schemeClr val="accent1"/>
-    </dgm:linClrLst>
-    <dgm:effectClrLst/>
-    <dgm:txLinClrLst/>
-    <dgm:txFillClrLst meth="repeat">
-      <a:schemeClr val="lt1"/>
-    </dgm:txFillClrLst>
-    <dgm:txEffectClrLst/>
-  </dgm:styleLbl>
-  <dgm:styleLbl name="trBgShp">
-    <dgm:fillClrLst meth="repeat">
-      <a:schemeClr val="accent1">
-        <a:tint val="50000"/>
-        <a:alpha val="40000"/>
-      </a:schemeClr>
-    </dgm:fillClrLst>
-    <dgm:linClrLst meth="repeat">
-      <a:schemeClr val="accent1"/>
-    </dgm:linClrLst>
-    <dgm:effectClrLst/>
-    <dgm:txLinClrLst/>
-    <dgm:txFillClrLst meth="repeat">
-      <a:schemeClr val="lt1"/>
-    </dgm:txFillClrLst>
-    <dgm:txEffectClrLst/>
-  </dgm:styleLbl>
-  <dgm:styleLbl name="fgShp">
-    <dgm:fillClrLst meth="repeat">
-      <a:schemeClr val="accent1">
-        <a:tint val="60000"/>
-      </a:schemeClr>
-    </dgm:fillClrLst>
-    <dgm:linClrLst meth="repeat">
-      <a:schemeClr val="lt1"/>
-    </dgm:linClrLst>
-    <dgm:effectClrLst/>
-    <dgm:txLinClrLst/>
-    <dgm:txFillClrLst meth="repeat">
-      <a:schemeClr val="dk1"/>
-    </dgm:txFillClrLst>
-    <dgm:txEffectClrLst/>
-  </dgm:styleLbl>
-  <dgm:styleLbl name="revTx">
-    <dgm:fillClrLst meth="repeat">
-      <a:schemeClr val="lt1">
-        <a:alpha val="0"/>
-      </a:schemeClr>
-    </dgm:fillClrLst>
-    <dgm:linClrLst meth="repeat">
-      <a:schemeClr val="dk1">
-        <a:alpha val="0"/>
-      </a:schemeClr>
-    </dgm:linClrLst>
-    <dgm:effectClrLst/>
-    <dgm:txLinClrLst/>
-    <dgm:txFillClrLst meth="repeat">
-      <a:schemeClr val="tx1"/>
-    </dgm:txFillClrLst>
-    <dgm:txEffectClrLst/>
-  </dgm:styleLbl>
-</dgm:colorsDef>
-</file>
-
-<file path=ppt/diagrams/data1.xml><?xml version="1.0" encoding="utf-8"?>
-<dgm:dataModel xmlns:dgm="http://schemas.openxmlformats.org/drawingml/2006/diagram" xmlns:a="http://schemas.openxmlformats.org/drawingml/2006/main">
-  <dgm:ptLst>
-    <dgm:pt modelId="{C7791974-9F08-42C6-B4F2-02B9136A72C7}" type="doc">
-      <dgm:prSet loTypeId="urn:microsoft.com/office/officeart/2005/8/layout/pyramid4" loCatId="relationship" qsTypeId="urn:microsoft.com/office/officeart/2005/8/quickstyle/simple5" qsCatId="simple" csTypeId="urn:microsoft.com/office/officeart/2005/8/colors/accent1_2" csCatId="accent1" phldr="1"/>
-      <dgm:spPr/>
-      <dgm:t>
-        <a:bodyPr/>
-        <a:lstStyle/>
-        <a:p>
-          <a:endParaRPr lang="en-US"/>
-        </a:p>
-      </dgm:t>
-    </dgm:pt>
-    <dgm:pt modelId="{BC6FFA61-6A5E-4A07-B0CD-657A6016A538}">
-      <dgm:prSet phldrT="[Text]"/>
-      <dgm:spPr/>
-      <dgm:t>
-        <a:bodyPr/>
-        <a:lstStyle/>
-        <a:p>
-          <a:r>
-            <a:rPr lang="en-US" dirty="0"/>
-            <a:t>Group A</a:t>
-          </a:r>
-        </a:p>
-      </dgm:t>
-      <dgm:extLst>
-        <a:ext uri="{E40237B7-FDA0-4F09-8148-C483321AD2D9}">
-          <dgm14:cNvPr xmlns:dgm14="http://schemas.microsoft.com/office/drawing/2010/diagram" id="0" name="" title="Group A"/>
-        </a:ext>
-      </dgm:extLst>
-    </dgm:pt>
-    <dgm:pt modelId="{BE5D8AB6-D1DC-4693-9520-9749A9B2666C}" type="parTrans" cxnId="{144421FE-CAF2-4745-BAE1-6B88FC778DDF}">
-      <dgm:prSet/>
-      <dgm:spPr/>
-      <dgm:t>
-        <a:bodyPr/>
-        <a:lstStyle/>
-        <a:p>
-          <a:endParaRPr lang="en-US"/>
-        </a:p>
-      </dgm:t>
-    </dgm:pt>
-    <dgm:pt modelId="{716E4D6C-03E8-4365-AF21-1602BE3722FD}" type="sibTrans" cxnId="{144421FE-CAF2-4745-BAE1-6B88FC778DDF}">
-      <dgm:prSet/>
-      <dgm:spPr/>
-      <dgm:t>
-        <a:bodyPr/>
-        <a:lstStyle/>
-        <a:p>
-          <a:endParaRPr lang="en-US"/>
-        </a:p>
-      </dgm:t>
-    </dgm:pt>
-    <dgm:pt modelId="{E94ADD85-26B8-44AF-BE89-A44A734EC3B8}">
-      <dgm:prSet phldrT="[Text]"/>
-      <dgm:spPr/>
-      <dgm:t>
-        <a:bodyPr/>
-        <a:lstStyle/>
-        <a:p>
-          <a:r>
-            <a:rPr lang="en-US" dirty="0"/>
-            <a:t>Group B</a:t>
-          </a:r>
-        </a:p>
-      </dgm:t>
-      <dgm:extLst>
-        <a:ext uri="{E40237B7-FDA0-4F09-8148-C483321AD2D9}">
-          <dgm14:cNvPr xmlns:dgm14="http://schemas.microsoft.com/office/drawing/2010/diagram" id="0" name="" title="Group B"/>
-        </a:ext>
-      </dgm:extLst>
-    </dgm:pt>
-    <dgm:pt modelId="{80CC2F95-912D-4EB2-A7A7-15A75A534300}" type="parTrans" cxnId="{35C3B619-E840-4AFF-B602-C4F3A3844CC0}">
-      <dgm:prSet/>
-      <dgm:spPr/>
-      <dgm:t>
-        <a:bodyPr/>
-        <a:lstStyle/>
-        <a:p>
-          <a:endParaRPr lang="en-US"/>
-        </a:p>
-      </dgm:t>
-    </dgm:pt>
-    <dgm:pt modelId="{BD64D4FA-33E1-4A93-8ABA-E777D7BBB411}" type="sibTrans" cxnId="{35C3B619-E840-4AFF-B602-C4F3A3844CC0}">
-      <dgm:prSet/>
-      <dgm:spPr/>
-      <dgm:t>
-        <a:bodyPr/>
-        <a:lstStyle/>
-        <a:p>
-          <a:endParaRPr lang="en-US"/>
-        </a:p>
-      </dgm:t>
-    </dgm:pt>
-    <dgm:pt modelId="{52C59E2E-30E9-45A1-A2DB-B56219AA5D23}">
-      <dgm:prSet phldrT="[Text]"/>
-      <dgm:spPr/>
-      <dgm:t>
-        <a:bodyPr/>
-        <a:lstStyle/>
-        <a:p>
-          <a:r>
-            <a:rPr lang="en-US" dirty="0"/>
-            <a:t>Group C</a:t>
-          </a:r>
-        </a:p>
-      </dgm:t>
-      <dgm:extLst>
-        <a:ext uri="{E40237B7-FDA0-4F09-8148-C483321AD2D9}">
-          <dgm14:cNvPr xmlns:dgm14="http://schemas.microsoft.com/office/drawing/2010/diagram" id="0" name="" title="Group C"/>
-        </a:ext>
-      </dgm:extLst>
-    </dgm:pt>
-    <dgm:pt modelId="{8E439CEF-6BC2-43D4-A93F-DA8490341D46}" type="parTrans" cxnId="{D97B6FBA-E602-4236-BD00-95D5F8708F52}">
-      <dgm:prSet/>
-      <dgm:spPr/>
-      <dgm:t>
-        <a:bodyPr/>
-        <a:lstStyle/>
-        <a:p>
-          <a:endParaRPr lang="en-US"/>
-        </a:p>
-      </dgm:t>
-    </dgm:pt>
-    <dgm:pt modelId="{F39575F8-5912-4830-B03F-ECBE8EE9EE03}" type="sibTrans" cxnId="{D97B6FBA-E602-4236-BD00-95D5F8708F52}">
-      <dgm:prSet/>
-      <dgm:spPr/>
-      <dgm:t>
-        <a:bodyPr/>
-        <a:lstStyle/>
-        <a:p>
-          <a:endParaRPr lang="en-US"/>
-        </a:p>
-      </dgm:t>
-    </dgm:pt>
-    <dgm:pt modelId="{6D62B7E6-A7B7-474F-B145-0ABFE7C798BD}">
-      <dgm:prSet phldrT="[Text]"/>
-      <dgm:spPr/>
-      <dgm:t>
-        <a:bodyPr/>
-        <a:lstStyle/>
-        <a:p>
-          <a:r>
-            <a:rPr lang="en-US" dirty="0"/>
-            <a:t>Group D</a:t>
-          </a:r>
-        </a:p>
-      </dgm:t>
-      <dgm:extLst>
-        <a:ext uri="{E40237B7-FDA0-4F09-8148-C483321AD2D9}">
-          <dgm14:cNvPr xmlns:dgm14="http://schemas.microsoft.com/office/drawing/2010/diagram" id="0" name="" title="Group D"/>
-        </a:ext>
-      </dgm:extLst>
-    </dgm:pt>
-    <dgm:pt modelId="{7F511E78-494F-4CB3-BAFB-7289787ECC3D}" type="parTrans" cxnId="{6CF9C0DB-996D-40CB-A9CF-8BA6E74C1E3F}">
-      <dgm:prSet/>
-      <dgm:spPr/>
-      <dgm:t>
-        <a:bodyPr/>
-        <a:lstStyle/>
-        <a:p>
-          <a:endParaRPr lang="en-US"/>
-        </a:p>
-      </dgm:t>
-    </dgm:pt>
-    <dgm:pt modelId="{8BF8ECB4-4667-4B36-A63D-886D2F45FE49}" type="sibTrans" cxnId="{6CF9C0DB-996D-40CB-A9CF-8BA6E74C1E3F}">
-      <dgm:prSet/>
-      <dgm:spPr/>
-      <dgm:t>
-        <a:bodyPr/>
-        <a:lstStyle/>
-        <a:p>
-          <a:endParaRPr lang="en-US"/>
-        </a:p>
-      </dgm:t>
-    </dgm:pt>
-    <dgm:pt modelId="{8B586D5B-1BA8-4794-842B-98B691C3928B}" type="pres">
-      <dgm:prSet presAssocID="{C7791974-9F08-42C6-B4F2-02B9136A72C7}" presName="compositeShape" presStyleCnt="0">
-        <dgm:presLayoutVars>
-          <dgm:chMax val="9"/>
-          <dgm:dir/>
-          <dgm:resizeHandles val="exact"/>
-        </dgm:presLayoutVars>
-      </dgm:prSet>
-      <dgm:spPr/>
-    </dgm:pt>
-    <dgm:pt modelId="{E9D1B414-4301-4553-9DAF-ACE9902D6950}" type="pres">
-      <dgm:prSet presAssocID="{C7791974-9F08-42C6-B4F2-02B9136A72C7}" presName="triangle1" presStyleLbl="node1" presStyleIdx="0" presStyleCnt="4">
-        <dgm:presLayoutVars>
-          <dgm:bulletEnabled val="1"/>
-        </dgm:presLayoutVars>
-      </dgm:prSet>
-      <dgm:spPr/>
-    </dgm:pt>
-    <dgm:pt modelId="{45B33EA1-8640-46B4-88FF-887F47189AD6}" type="pres">
-      <dgm:prSet presAssocID="{C7791974-9F08-42C6-B4F2-02B9136A72C7}" presName="triangle2" presStyleLbl="node1" presStyleIdx="1" presStyleCnt="4">
-        <dgm:presLayoutVars>
-          <dgm:bulletEnabled val="1"/>
-        </dgm:presLayoutVars>
-      </dgm:prSet>
-      <dgm:spPr/>
-    </dgm:pt>
-    <dgm:pt modelId="{5CE8AFD8-8F11-477A-AD8A-938650EC8062}" type="pres">
-      <dgm:prSet presAssocID="{C7791974-9F08-42C6-B4F2-02B9136A72C7}" presName="triangle3" presStyleLbl="node1" presStyleIdx="2" presStyleCnt="4">
-        <dgm:presLayoutVars>
-          <dgm:bulletEnabled val="1"/>
-        </dgm:presLayoutVars>
-      </dgm:prSet>
-      <dgm:spPr/>
-    </dgm:pt>
-    <dgm:pt modelId="{8A34865A-29F3-4612-BD60-25517D3937BB}" type="pres">
-      <dgm:prSet presAssocID="{C7791974-9F08-42C6-B4F2-02B9136A72C7}" presName="triangle4" presStyleLbl="node1" presStyleIdx="3" presStyleCnt="4">
-        <dgm:presLayoutVars>
-          <dgm:bulletEnabled val="1"/>
-        </dgm:presLayoutVars>
-      </dgm:prSet>
-      <dgm:spPr/>
-    </dgm:pt>
-  </dgm:ptLst>
-  <dgm:cxnLst>
-    <dgm:cxn modelId="{35C3B619-E840-4AFF-B602-C4F3A3844CC0}" srcId="{C7791974-9F08-42C6-B4F2-02B9136A72C7}" destId="{E94ADD85-26B8-44AF-BE89-A44A734EC3B8}" srcOrd="1" destOrd="0" parTransId="{80CC2F95-912D-4EB2-A7A7-15A75A534300}" sibTransId="{BD64D4FA-33E1-4A93-8ABA-E777D7BBB411}"/>
-    <dgm:cxn modelId="{AC459E9A-72C9-4B2D-BD11-0C2A00A7B9B1}" type="presOf" srcId="{52C59E2E-30E9-45A1-A2DB-B56219AA5D23}" destId="{5CE8AFD8-8F11-477A-AD8A-938650EC8062}" srcOrd="0" destOrd="0" presId="urn:microsoft.com/office/officeart/2005/8/layout/pyramid4"/>
-    <dgm:cxn modelId="{E5829CA1-E3DF-403B-A4F0-C810B6B2FE11}" type="presOf" srcId="{E94ADD85-26B8-44AF-BE89-A44A734EC3B8}" destId="{45B33EA1-8640-46B4-88FF-887F47189AD6}" srcOrd="0" destOrd="0" presId="urn:microsoft.com/office/officeart/2005/8/layout/pyramid4"/>
-    <dgm:cxn modelId="{D97B6FBA-E602-4236-BD00-95D5F8708F52}" srcId="{C7791974-9F08-42C6-B4F2-02B9136A72C7}" destId="{52C59E2E-30E9-45A1-A2DB-B56219AA5D23}" srcOrd="2" destOrd="0" parTransId="{8E439CEF-6BC2-43D4-A93F-DA8490341D46}" sibTransId="{F39575F8-5912-4830-B03F-ECBE8EE9EE03}"/>
-    <dgm:cxn modelId="{66525AC0-026F-4425-88AE-E23ED4309766}" type="presOf" srcId="{BC6FFA61-6A5E-4A07-B0CD-657A6016A538}" destId="{E9D1B414-4301-4553-9DAF-ACE9902D6950}" srcOrd="0" destOrd="0" presId="urn:microsoft.com/office/officeart/2005/8/layout/pyramid4"/>
-    <dgm:cxn modelId="{473EA6C5-136B-4679-87CE-C41929DF0AE3}" type="presOf" srcId="{C7791974-9F08-42C6-B4F2-02B9136A72C7}" destId="{8B586D5B-1BA8-4794-842B-98B691C3928B}" srcOrd="0" destOrd="0" presId="urn:microsoft.com/office/officeart/2005/8/layout/pyramid4"/>
-    <dgm:cxn modelId="{6CF9C0DB-996D-40CB-A9CF-8BA6E74C1E3F}" srcId="{C7791974-9F08-42C6-B4F2-02B9136A72C7}" destId="{6D62B7E6-A7B7-474F-B145-0ABFE7C798BD}" srcOrd="3" destOrd="0" parTransId="{7F511E78-494F-4CB3-BAFB-7289787ECC3D}" sibTransId="{8BF8ECB4-4667-4B36-A63D-886D2F45FE49}"/>
-    <dgm:cxn modelId="{52D03CF9-CE53-4002-AAED-817FBB395399}" type="presOf" srcId="{6D62B7E6-A7B7-474F-B145-0ABFE7C798BD}" destId="{8A34865A-29F3-4612-BD60-25517D3937BB}" srcOrd="0" destOrd="0" presId="urn:microsoft.com/office/officeart/2005/8/layout/pyramid4"/>
-    <dgm:cxn modelId="{144421FE-CAF2-4745-BAE1-6B88FC778DDF}" srcId="{C7791974-9F08-42C6-B4F2-02B9136A72C7}" destId="{BC6FFA61-6A5E-4A07-B0CD-657A6016A538}" srcOrd="0" destOrd="0" parTransId="{BE5D8AB6-D1DC-4693-9520-9749A9B2666C}" sibTransId="{716E4D6C-03E8-4365-AF21-1602BE3722FD}"/>
-    <dgm:cxn modelId="{96F84AC1-A349-4449-BA3C-6D0D2B0ECE6F}" type="presParOf" srcId="{8B586D5B-1BA8-4794-842B-98B691C3928B}" destId="{E9D1B414-4301-4553-9DAF-ACE9902D6950}" srcOrd="0" destOrd="0" presId="urn:microsoft.com/office/officeart/2005/8/layout/pyramid4"/>
-    <dgm:cxn modelId="{CC037F8F-28AA-4119-B60B-10D92FA24C1B}" type="presParOf" srcId="{8B586D5B-1BA8-4794-842B-98B691C3928B}" destId="{45B33EA1-8640-46B4-88FF-887F47189AD6}" srcOrd="1" destOrd="0" presId="urn:microsoft.com/office/officeart/2005/8/layout/pyramid4"/>
-    <dgm:cxn modelId="{52221294-4AAA-4926-A25D-AD4C892F6D0D}" type="presParOf" srcId="{8B586D5B-1BA8-4794-842B-98B691C3928B}" destId="{5CE8AFD8-8F11-477A-AD8A-938650EC8062}" srcOrd="2" destOrd="0" presId="urn:microsoft.com/office/officeart/2005/8/layout/pyramid4"/>
-    <dgm:cxn modelId="{AC8B59DA-FAD5-49CC-B167-BE68D60CC8D4}" type="presParOf" srcId="{8B586D5B-1BA8-4794-842B-98B691C3928B}" destId="{8A34865A-29F3-4612-BD60-25517D3937BB}" srcOrd="3" destOrd="0" presId="urn:microsoft.com/office/officeart/2005/8/layout/pyramid4"/>
-  </dgm:cxnLst>
-  <dgm:bg/>
-  <dgm:whole/>
-  <dgm:extLst>
-    <a:ext uri="http://schemas.microsoft.com/office/drawing/2008/diagram">
-      <dsp:dataModelExt xmlns:dsp="http://schemas.microsoft.com/office/drawing/2008/diagram" relId="rId6" minVer="http://schemas.openxmlformats.org/drawingml/2006/diagram"/>
-    </a:ext>
-  </dgm:extLst>
-</dgm:dataModel>
-</file>
-
-<file path=ppt/diagrams/drawing1.xml><?xml version="1.0" encoding="utf-8"?>
-<dsp:drawing xmlns:dgm="http://schemas.openxmlformats.org/drawingml/2006/diagram" xmlns:dsp="http://schemas.microsoft.com/office/drawing/2008/diagram" xmlns:a="http://schemas.openxmlformats.org/drawingml/2006/main">
-  <dsp:spTree>
-    <dsp:nvGrpSpPr>
-      <dsp:cNvPr id="0" name=""/>
-      <dsp:cNvGrpSpPr/>
-    </dsp:nvGrpSpPr>
-    <dsp:grpSpPr/>
-    <dsp:sp modelId="{E9D1B414-4301-4553-9DAF-ACE9902D6950}">
-      <dsp:nvSpPr>
-        <dsp:cNvPr id="0" name=""/>
-        <dsp:cNvSpPr/>
-      </dsp:nvSpPr>
-      <dsp:spPr>
-        <a:xfrm>
-          <a:off x="1332706" y="0"/>
-          <a:ext cx="2058987" cy="2058987"/>
-        </a:xfrm>
-        <a:prstGeom prst="triangle">
-          <a:avLst/>
-        </a:prstGeom>
-        <a:gradFill rotWithShape="0">
-          <a:gsLst>
-            <a:gs pos="0">
-              <a:schemeClr val="accent1">
-                <a:hueOff val="0"/>
-                <a:satOff val="0"/>
-                <a:lumOff val="0"/>
-                <a:alphaOff val="0"/>
-                <a:satMod val="103000"/>
-                <a:lumMod val="102000"/>
-                <a:tint val="94000"/>
-              </a:schemeClr>
-            </a:gs>
-            <a:gs pos="50000">
-              <a:schemeClr val="accent1">
-                <a:hueOff val="0"/>
-                <a:satOff val="0"/>
-                <a:lumOff val="0"/>
-                <a:alphaOff val="0"/>
-                <a:satMod val="110000"/>
-                <a:lumMod val="100000"/>
-                <a:shade val="100000"/>
-              </a:schemeClr>
-            </a:gs>
-            <a:gs pos="100000">
-              <a:schemeClr val="accent1">
-                <a:hueOff val="0"/>
-                <a:satOff val="0"/>
-                <a:lumOff val="0"/>
-                <a:alphaOff val="0"/>
-                <a:lumMod val="99000"/>
-                <a:satMod val="120000"/>
-                <a:shade val="78000"/>
-              </a:schemeClr>
-            </a:gs>
-          </a:gsLst>
-          <a:lin ang="5400000" scaled="0"/>
-        </a:gradFill>
-        <a:ln>
-          <a:noFill/>
-        </a:ln>
-        <a:effectLst>
-          <a:outerShdw blurRad="57150" dist="19050" dir="5400000" algn="ctr" rotWithShape="0">
-            <a:srgbClr val="000000">
-              <a:alpha val="63000"/>
-            </a:srgbClr>
-          </a:outerShdw>
-        </a:effectLst>
-      </dsp:spPr>
-      <dsp:style>
-        <a:lnRef idx="0">
-          <a:scrgbClr r="0" g="0" b="0"/>
-        </a:lnRef>
-        <a:fillRef idx="3">
-          <a:scrgbClr r="0" g="0" b="0"/>
-        </a:fillRef>
-        <a:effectRef idx="3">
-          <a:scrgbClr r="0" g="0" b="0"/>
-        </a:effectRef>
-        <a:fontRef idx="minor">
-          <a:schemeClr val="lt1"/>
-        </a:fontRef>
-      </dsp:style>
-      <dsp:txBody>
-        <a:bodyPr spcFirstLastPara="0" vert="horz" wrap="square" lIns="91440" tIns="91440" rIns="91440" bIns="91440" numCol="1" spcCol="1270" anchor="ctr" anchorCtr="0">
-          <a:noAutofit/>
-        </a:bodyPr>
-        <a:lstStyle/>
-        <a:p>
-          <a:pPr marL="0" lvl="0" indent="0" algn="ctr" defTabSz="1066800">
-            <a:lnSpc>
-              <a:spcPct val="90000"/>
-            </a:lnSpc>
-            <a:spcBef>
-              <a:spcPct val="0"/>
-            </a:spcBef>
-            <a:spcAft>
-              <a:spcPct val="35000"/>
-            </a:spcAft>
-            <a:buNone/>
-          </a:pPr>
-          <a:r>
-            <a:rPr lang="en-US" sz="2400" kern="1200" dirty="0"/>
-            <a:t>Group A</a:t>
-          </a:r>
-        </a:p>
-      </dsp:txBody>
-      <dsp:txXfrm>
-        <a:off x="1847453" y="1029494"/>
-        <a:ext cx="1029493" cy="1029493"/>
-      </dsp:txXfrm>
-    </dsp:sp>
-    <dsp:sp modelId="{45B33EA1-8640-46B4-88FF-887F47189AD6}">
-      <dsp:nvSpPr>
-        <dsp:cNvPr id="0" name=""/>
-        <dsp:cNvSpPr/>
-      </dsp:nvSpPr>
-      <dsp:spPr>
-        <a:xfrm>
-          <a:off x="303212" y="2058987"/>
-          <a:ext cx="2058987" cy="2058987"/>
-        </a:xfrm>
-        <a:prstGeom prst="triangle">
-          <a:avLst/>
-        </a:prstGeom>
-        <a:gradFill rotWithShape="0">
-          <a:gsLst>
-            <a:gs pos="0">
-              <a:schemeClr val="accent1">
-                <a:hueOff val="0"/>
-                <a:satOff val="0"/>
-                <a:lumOff val="0"/>
-                <a:alphaOff val="0"/>
-                <a:satMod val="103000"/>
-                <a:lumMod val="102000"/>
-                <a:tint val="94000"/>
-              </a:schemeClr>
-            </a:gs>
-            <a:gs pos="50000">
-              <a:schemeClr val="accent1">
-                <a:hueOff val="0"/>
-                <a:satOff val="0"/>
-                <a:lumOff val="0"/>
-                <a:alphaOff val="0"/>
-                <a:satMod val="110000"/>
-                <a:lumMod val="100000"/>
-                <a:shade val="100000"/>
-              </a:schemeClr>
-            </a:gs>
-            <a:gs pos="100000">
-              <a:schemeClr val="accent1">
-                <a:hueOff val="0"/>
-                <a:satOff val="0"/>
-                <a:lumOff val="0"/>
-                <a:alphaOff val="0"/>
-                <a:lumMod val="99000"/>
-                <a:satMod val="120000"/>
-                <a:shade val="78000"/>
-              </a:schemeClr>
-            </a:gs>
-          </a:gsLst>
-          <a:lin ang="5400000" scaled="0"/>
-        </a:gradFill>
-        <a:ln>
-          <a:noFill/>
-        </a:ln>
-        <a:effectLst>
-          <a:outerShdw blurRad="57150" dist="19050" dir="5400000" algn="ctr" rotWithShape="0">
-            <a:srgbClr val="000000">
-              <a:alpha val="63000"/>
-            </a:srgbClr>
-          </a:outerShdw>
-        </a:effectLst>
-      </dsp:spPr>
-      <dsp:style>
-        <a:lnRef idx="0">
-          <a:scrgbClr r="0" g="0" b="0"/>
-        </a:lnRef>
-        <a:fillRef idx="3">
-          <a:scrgbClr r="0" g="0" b="0"/>
-        </a:fillRef>
-        <a:effectRef idx="3">
-          <a:scrgbClr r="0" g="0" b="0"/>
-        </a:effectRef>
-        <a:fontRef idx="minor">
-          <a:schemeClr val="lt1"/>
-        </a:fontRef>
-      </dsp:style>
-      <dsp:txBody>
-        <a:bodyPr spcFirstLastPara="0" vert="horz" wrap="square" lIns="91440" tIns="91440" rIns="91440" bIns="91440" numCol="1" spcCol="1270" anchor="ctr" anchorCtr="0">
-          <a:noAutofit/>
-        </a:bodyPr>
-        <a:lstStyle/>
-        <a:p>
-          <a:pPr marL="0" lvl="0" indent="0" algn="ctr" defTabSz="1066800">
-            <a:lnSpc>
-              <a:spcPct val="90000"/>
-            </a:lnSpc>
-            <a:spcBef>
-              <a:spcPct val="0"/>
-            </a:spcBef>
-            <a:spcAft>
-              <a:spcPct val="35000"/>
-            </a:spcAft>
-            <a:buNone/>
-          </a:pPr>
-          <a:r>
-            <a:rPr lang="en-US" sz="2400" kern="1200" dirty="0"/>
-            <a:t>Group B</a:t>
-          </a:r>
-        </a:p>
-      </dsp:txBody>
-      <dsp:txXfrm>
-        <a:off x="817959" y="3088481"/>
-        <a:ext cx="1029493" cy="1029493"/>
-      </dsp:txXfrm>
-    </dsp:sp>
-    <dsp:sp modelId="{5CE8AFD8-8F11-477A-AD8A-938650EC8062}">
-      <dsp:nvSpPr>
-        <dsp:cNvPr id="0" name=""/>
-        <dsp:cNvSpPr/>
-      </dsp:nvSpPr>
-      <dsp:spPr>
-        <a:xfrm rot="10800000">
-          <a:off x="1332706" y="2058987"/>
-          <a:ext cx="2058987" cy="2058987"/>
-        </a:xfrm>
-        <a:prstGeom prst="triangle">
-          <a:avLst/>
-        </a:prstGeom>
-        <a:gradFill rotWithShape="0">
-          <a:gsLst>
-            <a:gs pos="0">
-              <a:schemeClr val="accent1">
-                <a:hueOff val="0"/>
-                <a:satOff val="0"/>
-                <a:lumOff val="0"/>
-                <a:alphaOff val="0"/>
-                <a:satMod val="103000"/>
-                <a:lumMod val="102000"/>
-                <a:tint val="94000"/>
-              </a:schemeClr>
-            </a:gs>
-            <a:gs pos="50000">
-              <a:schemeClr val="accent1">
-                <a:hueOff val="0"/>
-                <a:satOff val="0"/>
-                <a:lumOff val="0"/>
-                <a:alphaOff val="0"/>
-                <a:satMod val="110000"/>
-                <a:lumMod val="100000"/>
-                <a:shade val="100000"/>
-              </a:schemeClr>
-            </a:gs>
-            <a:gs pos="100000">
-              <a:schemeClr val="accent1">
-                <a:hueOff val="0"/>
-                <a:satOff val="0"/>
-                <a:lumOff val="0"/>
-                <a:alphaOff val="0"/>
-                <a:lumMod val="99000"/>
-                <a:satMod val="120000"/>
-                <a:shade val="78000"/>
-              </a:schemeClr>
-            </a:gs>
-          </a:gsLst>
-          <a:lin ang="5400000" scaled="0"/>
-        </a:gradFill>
-        <a:ln>
-          <a:noFill/>
-        </a:ln>
-        <a:effectLst>
-          <a:outerShdw blurRad="57150" dist="19050" dir="5400000" algn="ctr" rotWithShape="0">
-            <a:srgbClr val="000000">
-              <a:alpha val="63000"/>
-            </a:srgbClr>
-          </a:outerShdw>
-        </a:effectLst>
-      </dsp:spPr>
-      <dsp:style>
-        <a:lnRef idx="0">
-          <a:scrgbClr r="0" g="0" b="0"/>
-        </a:lnRef>
-        <a:fillRef idx="3">
-          <a:scrgbClr r="0" g="0" b="0"/>
-        </a:fillRef>
-        <a:effectRef idx="3">
-          <a:scrgbClr r="0" g="0" b="0"/>
-        </a:effectRef>
-        <a:fontRef idx="minor">
-          <a:schemeClr val="lt1"/>
-        </a:fontRef>
-      </dsp:style>
-      <dsp:txBody>
-        <a:bodyPr spcFirstLastPara="0" vert="horz" wrap="square" lIns="91440" tIns="91440" rIns="91440" bIns="91440" numCol="1" spcCol="1270" anchor="ctr" anchorCtr="0">
-          <a:noAutofit/>
-        </a:bodyPr>
-        <a:lstStyle/>
-        <a:p>
-          <a:pPr marL="0" lvl="0" indent="0" algn="ctr" defTabSz="1066800">
-            <a:lnSpc>
-              <a:spcPct val="90000"/>
-            </a:lnSpc>
-            <a:spcBef>
-              <a:spcPct val="0"/>
-            </a:spcBef>
-            <a:spcAft>
-              <a:spcPct val="35000"/>
-            </a:spcAft>
-            <a:buNone/>
-          </a:pPr>
-          <a:r>
-            <a:rPr lang="en-US" sz="2400" kern="1200" dirty="0"/>
-            <a:t>Group C</a:t>
-          </a:r>
-        </a:p>
-      </dsp:txBody>
-      <dsp:txXfrm rot="10800000">
-        <a:off x="1847453" y="2058987"/>
-        <a:ext cx="1029493" cy="1029493"/>
-      </dsp:txXfrm>
-    </dsp:sp>
-    <dsp:sp modelId="{8A34865A-29F3-4612-BD60-25517D3937BB}">
-      <dsp:nvSpPr>
-        <dsp:cNvPr id="0" name=""/>
-        <dsp:cNvSpPr/>
-      </dsp:nvSpPr>
-      <dsp:spPr>
-        <a:xfrm>
-          <a:off x="2362199" y="2058987"/>
-          <a:ext cx="2058987" cy="2058987"/>
-        </a:xfrm>
-        <a:prstGeom prst="triangle">
-          <a:avLst/>
-        </a:prstGeom>
-        <a:gradFill rotWithShape="0">
-          <a:gsLst>
-            <a:gs pos="0">
-              <a:schemeClr val="accent1">
-                <a:hueOff val="0"/>
-                <a:satOff val="0"/>
-                <a:lumOff val="0"/>
-                <a:alphaOff val="0"/>
-                <a:satMod val="103000"/>
-                <a:lumMod val="102000"/>
-                <a:tint val="94000"/>
-              </a:schemeClr>
-            </a:gs>
-            <a:gs pos="50000">
-              <a:schemeClr val="accent1">
-                <a:hueOff val="0"/>
-                <a:satOff val="0"/>
-                <a:lumOff val="0"/>
-                <a:alphaOff val="0"/>
-                <a:satMod val="110000"/>
-                <a:lumMod val="100000"/>
-                <a:shade val="100000"/>
-              </a:schemeClr>
-            </a:gs>
-            <a:gs pos="100000">
-              <a:schemeClr val="accent1">
-                <a:hueOff val="0"/>
-                <a:satOff val="0"/>
-                <a:lumOff val="0"/>
-                <a:alphaOff val="0"/>
-                <a:lumMod val="99000"/>
-                <a:satMod val="120000"/>
-                <a:shade val="78000"/>
-              </a:schemeClr>
-            </a:gs>
-          </a:gsLst>
-          <a:lin ang="5400000" scaled="0"/>
-        </a:gradFill>
-        <a:ln>
-          <a:noFill/>
-        </a:ln>
-        <a:effectLst>
-          <a:outerShdw blurRad="57150" dist="19050" dir="5400000" algn="ctr" rotWithShape="0">
-            <a:srgbClr val="000000">
-              <a:alpha val="63000"/>
-            </a:srgbClr>
-          </a:outerShdw>
-        </a:effectLst>
-      </dsp:spPr>
-      <dsp:style>
-        <a:lnRef idx="0">
-          <a:scrgbClr r="0" g="0" b="0"/>
-        </a:lnRef>
-        <a:fillRef idx="3">
-          <a:scrgbClr r="0" g="0" b="0"/>
-        </a:fillRef>
-        <a:effectRef idx="3">
-          <a:scrgbClr r="0" g="0" b="0"/>
-        </a:effectRef>
-        <a:fontRef idx="minor">
-          <a:schemeClr val="lt1"/>
-        </a:fontRef>
-      </dsp:style>
-      <dsp:txBody>
-        <a:bodyPr spcFirstLastPara="0" vert="horz" wrap="square" lIns="91440" tIns="91440" rIns="91440" bIns="91440" numCol="1" spcCol="1270" anchor="ctr" anchorCtr="0">
-          <a:noAutofit/>
-        </a:bodyPr>
-        <a:lstStyle/>
-        <a:p>
-          <a:pPr marL="0" lvl="0" indent="0" algn="ctr" defTabSz="1066800">
-            <a:lnSpc>
-              <a:spcPct val="90000"/>
-            </a:lnSpc>
-            <a:spcBef>
-              <a:spcPct val="0"/>
-            </a:spcBef>
-            <a:spcAft>
-              <a:spcPct val="35000"/>
-            </a:spcAft>
-            <a:buNone/>
-          </a:pPr>
-          <a:r>
-            <a:rPr lang="en-US" sz="2400" kern="1200" dirty="0"/>
-            <a:t>Group D</a:t>
-          </a:r>
-        </a:p>
-      </dsp:txBody>
-      <dsp:txXfrm>
-        <a:off x="2876946" y="3088481"/>
-        <a:ext cx="1029493" cy="1029493"/>
-      </dsp:txXfrm>
-    </dsp:sp>
-  </dsp:spTree>
-</dsp:drawing>
-</file>
-
-<file path=ppt/diagrams/layout1.xml><?xml version="1.0" encoding="utf-8"?>
-<dgm:layoutDef xmlns:dgm="http://schemas.openxmlformats.org/drawingml/2006/diagram" xmlns:a="http://schemas.openxmlformats.org/drawingml/2006/main" uniqueId="urn:microsoft.com/office/officeart/2005/8/layout/pyramid4">
-  <dgm:title val=""/>
-  <dgm:desc val=""/>
-  <dgm:catLst>
-    <dgm:cat type="pyramid" pri="4000"/>
-    <dgm:cat type="relationship" pri="9000"/>
-  </dgm:catLst>
-  <dgm:sampData>
-    <dgm:dataModel>
-      <dgm:ptLst>
-        <dgm:pt modelId="0" type="doc"/>
-        <dgm:pt modelId="1">
-          <dgm:prSet phldr="1"/>
-        </dgm:pt>
-        <dgm:pt modelId="2">
-          <dgm:prSet phldr="1"/>
-        </dgm:pt>
-        <dgm:pt modelId="3">
-          <dgm:prSet phldr="1"/>
-        </dgm:pt>
-        <dgm:pt modelId="4">
-          <dgm:prSet phldr="1"/>
-        </dgm:pt>
-      </dgm:ptLst>
-      <dgm:cxnLst>
-        <dgm:cxn modelId="5" srcId="0" destId="1" srcOrd="0" destOrd="0"/>
-        <dgm:cxn modelId="6" srcId="0" destId="2" srcOrd="1" destOrd="0"/>
-        <dgm:cxn modelId="7" srcId="0" destId="3" srcOrd="2" destOrd="0"/>
-        <dgm:cxn modelId="8" srcId="0" destId="4" srcOrd="3" destOrd="0"/>
-      </dgm:cxnLst>
-      <dgm:bg/>
-      <dgm:whole/>
-    </dgm:dataModel>
-  </dgm:sampData>
-  <dgm:styleData useDef="1">
-    <dgm:dataModel>
-      <dgm:ptLst/>
-      <dgm:bg/>
-      <dgm:whole/>
-    </dgm:dataModel>
-  </dgm:styleData>
-  <dgm:clrData useDef="1">
-    <dgm:dataModel>
-      <dgm:ptLst/>
-      <dgm:bg/>
-      <dgm:whole/>
-    </dgm:dataModel>
-  </dgm:clrData>
-  <dgm:layoutNode name="compositeShape">
-    <dgm:varLst>
-      <dgm:chMax val="9"/>
-      <dgm:dir/>
-      <dgm:resizeHandles val="exact"/>
-    </dgm:varLst>
-    <dgm:alg type="composite">
-      <dgm:param type="ar" val="1"/>
-    </dgm:alg>
-    <dgm:shape xmlns:r="http://schemas.openxmlformats.org/officeDocument/2006/relationships" r:blip="">
-      <dgm:adjLst/>
-    </dgm:shape>
-    <dgm:presOf/>
-    <dgm:choose name="Name0">
-      <dgm:if name="Name1" axis="ch" ptType="node" func="cnt" op="lte" val="4">
-        <dgm:choose name="Name2">
-          <dgm:if name="Name3" axis="ch" ptType="node" func="cnt" op="equ" val="1">
-            <dgm:constrLst>
-              <dgm:constr type="primFontSz" for="ch" ptType="node" op="equ" val="65"/>
-              <dgm:constr type="t" for="ch" forName="triangle1"/>
-              <dgm:constr type="l" for="ch" forName="triangle1"/>
-              <dgm:constr type="h" for="ch" forName="triangle1" refType="h"/>
-              <dgm:constr type="w" for="ch" forName="triangle1" refType="h"/>
-            </dgm:constrLst>
-          </dgm:if>
-          <dgm:else name="Name4">
-            <dgm:constrLst>
-              <dgm:constr type="primFontSz" for="ch" ptType="node" op="equ" val="65"/>
-              <dgm:constr type="t" for="ch" forName="triangle1"/>
-              <dgm:constr type="l" for="ch" forName="triangle1" refType="h" fact="0.25"/>
-              <dgm:constr type="h" for="ch" forName="triangle1" refType="h" fact="0.5"/>
-              <dgm:constr type="w" for="ch" forName="triangle1" refType="h" fact="0.5"/>
-              <dgm:constr type="t" for="ch" forName="triangle2" refType="h" fact="0.5"/>
-              <dgm:constr type="l" for="ch" forName="triangle2"/>
-              <dgm:constr type="h" for="ch" forName="triangle2" refType="h" fact="0.5"/>
-              <dgm:constr type="w" for="ch" forName="triangle2" refType="h" fact="0.5"/>
-              <dgm:constr type="t" for="ch" forName="triangle3" refType="h" fact="0.5"/>
-              <dgm:constr type="l" for="ch" forName="triangle3" refType="h" fact="0.25"/>
-              <dgm:constr type="h" for="ch" forName="triangle3" refType="h" fact="0.5"/>
-              <dgm:constr type="w" for="ch" forName="triangle3" refType="h" fact="0.5"/>
-              <dgm:constr type="t" for="ch" forName="triangle4" refType="h" fact="0.5"/>
-              <dgm:constr type="l" for="ch" forName="triangle4" refType="h" fact="0.5"/>
-              <dgm:constr type="h" for="ch" forName="triangle4" refType="h" fact="0.5"/>
-              <dgm:constr type="w" for="ch" forName="triangle4" refType="h" fact="0.5"/>
-            </dgm:constrLst>
-          </dgm:else>
-        </dgm:choose>
-      </dgm:if>
-      <dgm:else name="Name5">
-        <dgm:constrLst>
-          <dgm:constr type="primFontSz" for="ch" ptType="node" op="equ" val="65"/>
-          <dgm:constr type="t" for="ch" forName="triangle1"/>
-          <dgm:constr type="l" for="ch" forName="triangle1" refType="h" fact="0.33"/>
-          <dgm:constr type="h" for="ch" forName="triangle1" refType="h" fact="0.33"/>
-          <dgm:constr type="w" for="ch" forName="triangle1" refType="h" fact="0.33"/>
-          <dgm:constr type="t" for="ch" forName="triangle2" refType="h" fact="0.33"/>
-          <dgm:constr type="l" for="ch" forName="triangle2" refType="h" fact="0.165"/>
-          <dgm:constr type="h" for="ch" forName="triangle2" refType="h" fact="0.33"/>
-          <dgm:constr type="w" for="ch" forName="triangle2" refType="h" fact="0.33"/>
-          <dgm:constr type="t" for="ch" forName="triangle3" refType="h" fact="0.33"/>
-          <dgm:constr type="l" for="ch" forName="triangle3" refType="h" fact="0.33"/>
-          <dgm:constr type="h" for="ch" forName="triangle3" refType="h" fact="0.33"/>
-          <dgm:constr type="w" for="ch" forName="triangle3" refType="h" fact="0.33"/>
-          <dgm:constr type="t" for="ch" forName="triangle4" refType="h" fact="0.33"/>
-          <dgm:constr type="l" for="ch" forName="triangle4" refType="h" fact="0.495"/>
-          <dgm:constr type="h" for="ch" forName="triangle4" refType="h" fact="0.33"/>
-          <dgm:constr type="w" for="ch" forName="triangle4" refType="h" fact="0.33"/>
-          <dgm:constr type="t" for="ch" forName="triangle5" refType="h" fact="0.66"/>
-          <dgm:constr type="l" for="ch" forName="triangle5"/>
-          <dgm:constr type="h" for="ch" forName="triangle5" refType="h" fact="0.33"/>
-          <dgm:constr type="w" for="ch" forName="triangle5" refType="h" fact="0.33"/>
-          <dgm:constr type="t" for="ch" forName="triangle6" refType="h" fact="0.66"/>
-          <dgm:constr type="l" for="ch" forName="triangle6" refType="h" fact="0.165"/>
-          <dgm:constr type="h" for="ch" forName="triangle6" refType="h" fact="0.33"/>
-          <dgm:constr type="w" for="ch" forName="triangle6" refType="h" fact="0.33"/>
-          <dgm:constr type="t" for="ch" forName="triangle7" refType="h" fact="0.66"/>
-          <dgm:constr type="l" for="ch" forName="triangle7" refType="h" fact="0.33"/>
-          <dgm:constr type="h" for="ch" forName="triangle7" refType="h" fact="0.33"/>
-          <dgm:constr type="w" for="ch" forName="triangle7" refType="h" fact="0.33"/>
-          <dgm:constr type="t" for="ch" forName="triangle8" refType="h" fact="0.66"/>
-          <dgm:constr type="l" for="ch" forName="triangle8" refType="h" fact="0.495"/>
-          <dgm:constr type="h" for="ch" forName="triangle8" refType="h" fact="0.33"/>
-          <dgm:constr type="w" for="ch" forName="triangle8" refType="h" fact="0.33"/>
-          <dgm:constr type="t" for="ch" forName="triangle9" refType="h" fact="0.66"/>
-          <dgm:constr type="l" for="ch" forName="triangle9" refType="h" fact="0.66"/>
-          <dgm:constr type="h" for="ch" forName="triangle9" refType="h" fact="0.33"/>
-          <dgm:constr type="w" for="ch" forName="triangle9" refType="h" fact="0.33"/>
-        </dgm:constrLst>
-      </dgm:else>
-    </dgm:choose>
-    <dgm:ruleLst/>
-    <dgm:choose name="Name6">
-      <dgm:if name="Name7" axis="ch" ptType="node" func="cnt" op="gte" val="1">
-        <dgm:layoutNode name="triangle1" styleLbl="node1">
-          <dgm:varLst>
-            <dgm:bulletEnabled val="1"/>
-          </dgm:varLst>
-          <dgm:alg type="tx">
-            <dgm:param type="txAnchorVertCh" val="mid"/>
-          </dgm:alg>
-          <dgm:shape xmlns:r="http://schemas.openxmlformats.org/officeDocument/2006/relationships" type="triangle" r:blip="">
-            <dgm:adjLst/>
-          </dgm:shape>
-          <dgm:presOf axis="ch desOrSelf" ptType="node node" st="1 1" cnt="1 0"/>
-          <dgm:constrLst>
-            <dgm:constr type="tMarg" refType="primFontSz" fact="0.3"/>
-            <dgm:constr type="bMarg" refType="primFontSz" fact="0.3"/>
-            <dgm:constr type="lMarg" refType="primFontSz" fact="0.3"/>
-            <dgm:constr type="rMarg" refType="primFontSz" fact="0.3"/>
-          </dgm:constrLst>
-          <dgm:ruleLst>
-            <dgm:rule type="primFontSz" val="5" fact="NaN" max="NaN"/>
-          </dgm:ruleLst>
-        </dgm:layoutNode>
-      </dgm:if>
-      <dgm:else name="Name8"/>
-    </dgm:choose>
-    <dgm:choose name="Name9">
-      <dgm:if name="Name10" axis="ch" ptType="node" func="cnt" op="gte" val="2">
-        <dgm:layoutNode name="triangle2" styleLbl="node1">
-          <dgm:varLst>
-            <dgm:bulletEnabled val="1"/>
-          </dgm:varLst>
-          <dgm:alg type="tx">
-            <dgm:param type="txAnchorVertCh" val="mid"/>
-          </dgm:alg>
-          <dgm:shape xmlns:r="http://schemas.openxmlformats.org/officeDocument/2006/relationships" type="triangle" r:blip="">
-            <dgm:adjLst/>
-          </dgm:shape>
-          <dgm:choose name="Name11">
-            <dgm:if name="Name12" func="var" arg="dir" op="equ" val="norm">
-              <dgm:presOf axis="ch desOrSelf" ptType="node node" st="2 1" cnt="1 0"/>
-            </dgm:if>
-            <dgm:else name="Name13">
-              <dgm:presOf axis="ch desOrSelf" ptType="node node" st="4 1" cnt="1 0"/>
-            </dgm:else>
-          </dgm:choose>
-          <dgm:constrLst>
-            <dgm:constr type="tMarg" refType="primFontSz" fact="0.3"/>
-            <dgm:constr type="bMarg" refType="primFontSz" fact="0.3"/>
-            <dgm:constr type="lMarg" refType="primFontSz" fact="0.3"/>
-            <dgm:constr type="rMarg" refType="primFontSz" fact="0.3"/>
-          </dgm:constrLst>
-          <dgm:ruleLst>
-            <dgm:rule type="primFontSz" val="5" fact="NaN" max="NaN"/>
-          </dgm:ruleLst>
-        </dgm:layoutNode>
-        <dgm:layoutNode name="triangle3" styleLbl="node1">
-          <dgm:varLst>
-            <dgm:bulletEnabled val="1"/>
-          </dgm:varLst>
-          <dgm:alg type="tx">
-            <dgm:param type="txAnchorVertCh" val="mid"/>
-          </dgm:alg>
-          <dgm:shape xmlns:r="http://schemas.openxmlformats.org/officeDocument/2006/relationships" rot="180" type="triangle" r:blip="">
-            <dgm:adjLst/>
-          </dgm:shape>
-          <dgm:presOf axis="ch desOrSelf" ptType="node node" st="3 1" cnt="1 0"/>
-          <dgm:constrLst>
-            <dgm:constr type="tMarg" refType="primFontSz" fact="0.3"/>
-            <dgm:constr type="bMarg" refType="primFontSz" fact="0.3"/>
-            <dgm:constr type="lMarg" refType="primFontSz" fact="0.3"/>
-            <dgm:constr type="rMarg" refType="primFontSz" fact="0.3"/>
-          </dgm:constrLst>
-          <dgm:ruleLst>
-            <dgm:rule type="primFontSz" val="5" fact="NaN" max="NaN"/>
-          </dgm:ruleLst>
-        </dgm:layoutNode>
-        <dgm:layoutNode name="triangle4" styleLbl="node1">
-          <dgm:varLst>
-            <dgm:bulletEnabled val="1"/>
-          </dgm:varLst>
-          <dgm:alg type="tx">
-            <dgm:param type="txAnchorVertCh" val="mid"/>
-          </dgm:alg>
-          <dgm:shape xmlns:r="http://schemas.openxmlformats.org/officeDocument/2006/relationships" type="triangle" r:blip="">
-            <dgm:adjLst/>
-          </dgm:shape>
-          <dgm:choose name="Name14">
-            <dgm:if name="Name15" func="var" arg="dir" op="equ" val="norm">
-              <dgm:presOf axis="ch desOrSelf" ptType="node node" st="4 1" cnt="1 0"/>
-            </dgm:if>
-            <dgm:else name="Name16">
-              <dgm:presOf axis="ch desOrSelf" ptType="node node" st="2 1" cnt="1 0"/>
-            </dgm:else>
-          </dgm:choose>
-          <dgm:constrLst>
-            <dgm:constr type="tMarg" refType="primFontSz" fact="0.3"/>
-            <dgm:constr type="bMarg" refType="primFontSz" fact="0.3"/>
-            <dgm:constr type="lMarg" refType="primFontSz" fact="0.3"/>
-            <dgm:constr type="rMarg" refType="primFontSz" fact="0.3"/>
-          </dgm:constrLst>
-          <dgm:ruleLst>
-            <dgm:rule type="primFontSz" val="5" fact="NaN" max="NaN"/>
-          </dgm:ruleLst>
-        </dgm:layoutNode>
-      </dgm:if>
-      <dgm:else name="Name17"/>
-    </dgm:choose>
-    <dgm:choose name="Name18">
-      <dgm:if name="Name19" axis="ch" ptType="node" func="cnt" op="gte" val="5">
-        <dgm:layoutNode name="triangle5" styleLbl="node1">
-          <dgm:varLst>
-            <dgm:bulletEnabled val="1"/>
-          </dgm:varLst>
-          <dgm:alg type="tx">
-            <dgm:param type="txAnchorVertCh" val="mid"/>
-          </dgm:alg>
-          <dgm:shape xmlns:r="http://schemas.openxmlformats.org/officeDocument/2006/relationships" type="triangle" r:blip="">
-            <dgm:adjLst/>
-          </dgm:shape>
-          <dgm:choose name="Name20">
-            <dgm:if name="Name21" func="var" arg="dir" op="equ" val="norm">
-              <dgm:presOf axis="ch desOrSelf" ptType="node node" st="5 1" cnt="1 0"/>
-            </dgm:if>
-            <dgm:else name="Name22">
-              <dgm:presOf axis="ch desOrSelf" ptType="node node" st="9 1" cnt="1 0"/>
-            </dgm:else>
-          </dgm:choose>
-          <dgm:constrLst>
-            <dgm:constr type="tMarg" refType="primFontSz" fact="0.3"/>
-            <dgm:constr type="bMarg" refType="primFontSz" fact="0.3"/>
-            <dgm:constr type="lMarg" refType="primFontSz" fact="0.3"/>
-            <dgm:constr type="rMarg" refType="primFontSz" fact="0.3"/>
-          </dgm:constrLst>
-          <dgm:ruleLst>
-            <dgm:rule type="primFontSz" val="5" fact="NaN" max="NaN"/>
-          </dgm:ruleLst>
-        </dgm:layoutNode>
-        <dgm:layoutNode name="triangle6" styleLbl="node1">
-          <dgm:varLst>
-            <dgm:bulletEnabled val="1"/>
-          </dgm:varLst>
-          <dgm:alg type="tx">
-            <dgm:param type="txAnchorVertCh" val="mid"/>
-          </dgm:alg>
-          <dgm:shape xmlns:r="http://schemas.openxmlformats.org/officeDocument/2006/relationships" rot="180" type="triangle" r:blip="">
-            <dgm:adjLst/>
-          </dgm:shape>
-          <dgm:choose name="Name23">
-            <dgm:if name="Name24" func="var" arg="dir" op="equ" val="norm">
-              <dgm:presOf axis="ch desOrSelf" ptType="node node" st="6 1" cnt="1 0"/>
-            </dgm:if>
-            <dgm:else name="Name25">
-              <dgm:presOf axis="ch desOrSelf" ptType="node node" st="8 1" cnt="1 0"/>
-            </dgm:else>
-          </dgm:choose>
-          <dgm:constrLst>
-            <dgm:constr type="tMarg" refType="primFontSz" fact="0.3"/>
-            <dgm:constr type="bMarg" refType="primFontSz" fact="0.3"/>
-            <dgm:constr type="lMarg" refType="primFontSz" fact="0.3"/>
-            <dgm:constr type="rMarg" refType="primFontSz" fact="0.3"/>
-          </dgm:constrLst>
-          <dgm:ruleLst>
-            <dgm:rule type="primFontSz" val="5" fact="NaN" max="NaN"/>
-          </dgm:ruleLst>
-        </dgm:layoutNode>
-        <dgm:layoutNode name="triangle7" styleLbl="node1">
-          <dgm:varLst>
-            <dgm:bulletEnabled val="1"/>
-          </dgm:varLst>
-          <dgm:alg type="tx">
-            <dgm:param type="txAnchorVertCh" val="mid"/>
-          </dgm:alg>
-          <dgm:shape xmlns:r="http://schemas.openxmlformats.org/officeDocument/2006/relationships" type="triangle" r:blip="">
-            <dgm:adjLst/>
-          </dgm:shape>
-          <dgm:presOf axis="ch desOrSelf" ptType="node node" st="7 1" cnt="1 0"/>
-          <dgm:constrLst>
-            <dgm:constr type="tMarg" refType="primFontSz" fact="0.3"/>
-            <dgm:constr type="bMarg" refType="primFontSz" fact="0.3"/>
-            <dgm:constr type="lMarg" refType="primFontSz" fact="0.3"/>
-            <dgm:constr type="rMarg" refType="primFontSz" fact="0.3"/>
-          </dgm:constrLst>
-          <dgm:ruleLst>
-            <dgm:rule type="primFontSz" val="5" fact="NaN" max="NaN"/>
-          </dgm:ruleLst>
-        </dgm:layoutNode>
-        <dgm:layoutNode name="triangle8" styleLbl="node1">
-          <dgm:varLst>
-            <dgm:bulletEnabled val="1"/>
-          </dgm:varLst>
-          <dgm:alg type="tx">
-            <dgm:param type="txAnchorVertCh" val="mid"/>
-          </dgm:alg>
-          <dgm:shape xmlns:r="http://schemas.openxmlformats.org/officeDocument/2006/relationships" rot="180" type="triangle" r:blip="">
-            <dgm:adjLst/>
-          </dgm:shape>
-          <dgm:choose name="Name26">
-            <dgm:if name="Name27" func="var" arg="dir" op="equ" val="norm">
-              <dgm:presOf axis="ch desOrSelf" ptType="node node" st="8 1" cnt="1 0"/>
-            </dgm:if>
-            <dgm:else name="Name28">
-              <dgm:presOf axis="ch desOrSelf" ptType="node node" st="6 1" cnt="1 0"/>
-            </dgm:else>
-          </dgm:choose>
-          <dgm:constrLst>
-            <dgm:constr type="tMarg" refType="primFontSz" fact="0.3"/>
-            <dgm:constr type="bMarg" refType="primFontSz" fact="0.3"/>
-            <dgm:constr type="lMarg" refType="primFontSz" fact="0.3"/>
-            <dgm:constr type="rMarg" refType="primFontSz" fact="0.3"/>
-          </dgm:constrLst>
-          <dgm:ruleLst>
-            <dgm:rule type="primFontSz" val="5" fact="NaN" max="NaN"/>
-          </dgm:ruleLst>
-        </dgm:layoutNode>
-        <dgm:layoutNode name="triangle9" styleLbl="node1">
-          <dgm:varLst>
-            <dgm:bulletEnabled val="1"/>
-          </dgm:varLst>
-          <dgm:alg type="tx">
-            <dgm:param type="txAnchorVertCh" val="mid"/>
-          </dgm:alg>
-          <dgm:shape xmlns:r="http://schemas.openxmlformats.org/officeDocument/2006/relationships" type="triangle" r:blip="">
-            <dgm:adjLst/>
-          </dgm:shape>
-          <dgm:choose name="Name29">
-            <dgm:if name="Name30" func="var" arg="dir" op="equ" val="norm">
-              <dgm:presOf axis="ch desOrSelf" ptType="node node" st="9 1" cnt="1 0"/>
-            </dgm:if>
-            <dgm:else name="Name31">
-              <dgm:presOf axis="ch desOrSelf" ptType="node node" st="5 1" cnt="1 0"/>
-            </dgm:else>
-          </dgm:choose>
-          <dgm:constrLst>
-            <dgm:constr type="tMarg" refType="primFontSz" fact="0.3"/>
-            <dgm:constr type="bMarg" refType="primFontSz" fact="0.3"/>
-            <dgm:constr type="lMarg" refType="primFontSz" fact="0.3"/>
-            <dgm:constr type="rMarg" refType="primFontSz" fact="0.3"/>
-          </dgm:constrLst>
-          <dgm:ruleLst>
-            <dgm:rule type="primFontSz" val="5" fact="NaN" max="NaN"/>
-          </dgm:ruleLst>
-        </dgm:layoutNode>
-      </dgm:if>
-      <dgm:else name="Name32"/>
-    </dgm:choose>
-  </dgm:layoutNode>
-</dgm:layoutDef>
-</file>
-
-<file path=ppt/diagrams/quickStyle1.xml><?xml version="1.0" encoding="utf-8"?>
-<dgm:styleDef xmlns:dgm="http://schemas.openxmlformats.org/drawingml/2006/diagram" xmlns:a="http://schemas.openxmlformats.org/drawingml/2006/main" uniqueId="urn:microsoft.com/office/officeart/2005/8/quickstyle/simple5">
-  <dgm:title val=""/>
-  <dgm:desc val=""/>
-  <dgm:catLst>
-    <dgm:cat type="simple" pri="10500"/>
-  </dgm:catLst>
-  <dgm:scene3d>
-    <a:camera prst="orthographicFront"/>
-    <a:lightRig rig="threePt" dir="t"/>
-  </dgm:scene3d>
-  <dgm:styleLbl name="node0">
-    <dgm:scene3d>
-      <a:camera prst="orthographicFront"/>
-      <a:lightRig rig="threePt" dir="t"/>
-    </dgm:scene3d>
-    <dgm:sp3d/>
-    <dgm:txPr/>
-    <dgm:style>
-      <a:lnRef idx="0">
-        <a:scrgbClr r="0" g="0" b="0"/>
-      </a:lnRef>
-      <a:fillRef idx="3">
-        <a:scrgbClr r="0" g="0" b="0"/>
-      </a:fillRef>
-      <a:effectRef idx="3">
-        <a:scrgbClr r="0" g="0" b="0"/>
-      </a:effectRef>
-      <a:fontRef idx="minor">
-        <a:schemeClr val="lt1"/>
-      </a:fontRef>
-    </dgm:style>
-  </dgm:styleLbl>
-  <dgm:styleLbl name="lnNode1">
-    <dgm:scene3d>
-      <a:camera prst="orthographicFront"/>
-      <a:lightRig rig="threePt" dir="t"/>
-    </dgm:scene3d>
-    <dgm:sp3d/>
-    <dgm:txPr/>
-    <dgm:style>
-      <a:lnRef idx="0">
-        <a:scrgbClr r="0" g="0" b="0"/>
-      </a:lnRef>
-      <a:fillRef idx="3">
-        <a:scrgbClr r="0" g="0" b="0"/>
-      </a:fillRef>
-      <a:effectRef idx="3">
-        <a:scrgbClr r="0" g="0" b="0"/>
-      </a:effectRef>
-      <a:fontRef idx="minor">
-        <a:schemeClr val="lt1"/>
-      </a:fontRef>
-    </dgm:style>
-  </dgm:styleLbl>
-  <dgm:styleLbl name="vennNode1">
-    <dgm:scene3d>
-      <a:camera prst="orthographicFront"/>
-      <a:lightRig rig="threePt" dir="t"/>
-    </dgm:scene3d>
-    <dgm:sp3d/>
-    <dgm:txPr/>
-    <dgm:style>
-      <a:lnRef idx="0">
-        <a:scrgbClr r="0" g="0" b="0"/>
-      </a:lnRef>
-      <a:fillRef idx="3">
-        <a:scrgbClr r="0" g="0" b="0"/>
-      </a:fillRef>
-      <a:effectRef idx="3">
-        <a:scrgbClr r="0" g="0" b="0"/>
-      </a:effectRef>
-      <a:fontRef idx="minor">
-        <a:schemeClr val="tx1"/>
-      </a:fontRef>
-    </dgm:style>
-  </dgm:styleLbl>
-  <dgm:styleLbl name="alignNode1">
-    <dgm:scene3d>
-      <a:camera prst="orthographicFront"/>
-      <a:lightRig rig="threePt" dir="t"/>
-    </dgm:scene3d>
-    <dgm:sp3d/>
-    <dgm:txPr/>
-    <dgm:style>
-      <a:lnRef idx="1">
-        <a:scrgbClr r="0" g="0" b="0"/>
-      </a:lnRef>
-      <a:fillRef idx="3">
-        <a:scrgbClr r="0" g="0" b="0"/>
-      </a:fillRef>
-      <a:effectRef idx="3">
-        <a:scrgbClr r="0" g="0" b="0"/>
-      </a:effectRef>
-      <a:fontRef idx="minor">
-        <a:schemeClr val="lt1"/>
-      </a:fontRef>
-    </dgm:style>
-  </dgm:styleLbl>
-  <dgm:styleLbl name="node1">
-    <dgm:scene3d>
-      <a:camera prst="orthographicFront"/>
-      <a:lightRig rig="threePt" dir="t"/>
-    </dgm:scene3d>
-    <dgm:sp3d/>
-    <dgm:txPr/>
-    <dgm:style>
-      <a:lnRef idx="0">
-        <a:scrgbClr r="0" g="0" b="0"/>
-      </a:lnRef>
-      <a:fillRef idx="3">
-        <a:scrgbClr r="0" g="0" b="0"/>
-      </a:fillRef>
-      <a:effectRef idx="3">
-        <a:scrgbClr r="0" g="0" b="0"/>
-      </a:effectRef>
-      <a:fontRef idx="minor">
-        <a:schemeClr val="lt1"/>
-      </a:fontRef>
-    </dgm:style>
-  </dgm:styleLbl>
-  <dgm:styleLbl name="node2">
-    <dgm:scene3d>
-      <a:camera prst="orthographicFront"/>
-      <a:lightRig rig="threePt" dir="t"/>
-    </dgm:scene3d>
-    <dgm:sp3d/>
-    <dgm:txPr/>
-    <dgm:style>
-      <a:lnRef idx="0">
-        <a:scrgbClr r="0" g="0" b="0"/>
-      </a:lnRef>
-      <a:fillRef idx="3">
-        <a:scrgbClr r="0" g="0" b="0"/>
-      </a:fillRef>
-      <a:effectRef idx="3">
-        <a:scrgbClr r="0" g="0" b="0"/>
-      </a:effectRef>
-      <a:fontRef idx="minor">
-        <a:schemeClr val="lt1"/>
-      </a:fontRef>
-    </dgm:style>
-  </dgm:styleLbl>
-  <dgm:styleLbl name="node3">
-    <dgm:scene3d>
-      <a:camera prst="orthographicFront"/>
-      <a:lightRig rig="threePt" dir="t"/>
-    </dgm:scene3d>
-    <dgm:sp3d/>
-    <dgm:txPr/>
-    <dgm:style>
-      <a:lnRef idx="0">
-        <a:scrgbClr r="0" g="0" b="0"/>
-      </a:lnRef>
-      <a:fillRef idx="3">
-        <a:scrgbClr r="0" g="0" b="0"/>
-      </a:fillRef>
-      <a:effectRef idx="3">
-        <a:scrgbClr r="0" g="0" b="0"/>
-      </a:effectRef>
-      <a:fontRef idx="minor">
-        <a:schemeClr val="lt1"/>
-      </a:fontRef>
-    </dgm:style>
-  </dgm:styleLbl>
-  <dgm:styleLbl name="node4">
-    <dgm:scene3d>
-      <a:camera prst="orthographicFront"/>
-      <a:lightRig rig="threePt" dir="t"/>
-    </dgm:scene3d>
-    <dgm:sp3d/>
-    <dgm:txPr/>
-    <dgm:style>
-      <a:lnRef idx="0">
-        <a:scrgbClr r="0" g="0" b="0"/>
-      </a:lnRef>
-      <a:fillRef idx="3">
-        <a:scrgbClr r="0" g="0" b="0"/>
-      </a:fillRef>
-      <a:effectRef idx="3">
-        <a:scrgbClr r="0" g="0" b="0"/>
-      </a:effectRef>
-      <a:fontRef idx="minor">
-        <a:schemeClr val="lt1"/>
-      </a:fontRef>
-    </dgm:style>
-  </dgm:styleLbl>
-  <dgm:styleLbl name="fgImgPlace1">
-    <dgm:scene3d>
-      <a:camera prst="orthographicFront"/>
-      <a:lightRig rig="threePt" dir="t"/>
-    </dgm:scene3d>
-    <dgm:sp3d/>
-    <dgm:txPr/>
-    <dgm:style>
-      <a:lnRef idx="0">
-        <a:scrgbClr r="0" g="0" b="0"/>
-      </a:lnRef>
-      <a:fillRef idx="1">
-        <a:scrgbClr r="0" g="0" b="0"/>
-      </a:fillRef>
-      <a:effectRef idx="3">
-        <a:scrgbClr r="0" g="0" b="0"/>
-      </a:effectRef>
-      <a:fontRef idx="minor"/>
-    </dgm:style>
-  </dgm:styleLbl>
-  <dgm:styleLbl name="alignImgPlace1">
-    <dgm:scene3d>
-      <a:camera prst="orthographicFront"/>
-      <a:lightRig rig="threePt" dir="t"/>
-    </dgm:scene3d>
-    <dgm:sp3d/>
-    <dgm:txPr/>
-    <dgm:style>
-      <a:lnRef idx="0">
-        <a:scrgbClr r="0" g="0" b="0"/>
-      </a:lnRef>
-      <a:fillRef idx="1">
-        <a:scrgbClr r="0" g="0" b="0"/>
-      </a:fillRef>
-      <a:effectRef idx="3">
-        <a:scrgbClr r="0" g="0" b="0"/>
-      </a:effectRef>
-      <a:fontRef idx="minor"/>
-    </dgm:style>
-  </dgm:styleLbl>
-  <dgm:styleLbl name="bgImgPlace1">
-    <dgm:scene3d>
-      <a:camera prst="orthographicFront"/>
-      <a:lightRig rig="threePt" dir="t"/>
-    </dgm:scene3d>
-    <dgm:sp3d/>
-    <dgm:txPr/>
-    <dgm:style>
-      <a:lnRef idx="0">
-        <a:scrgbClr r="0" g="0" b="0"/>
-      </a:lnRef>
-      <a:fillRef idx="1">
-        <a:scrgbClr r="0" g="0" b="0"/>
-      </a:fillRef>
-      <a:effectRef idx="3">
-        <a:scrgbClr r="0" g="0" b="0"/>
-      </a:effectRef>
-      <a:fontRef idx="minor"/>
-    </dgm:style>
-  </dgm:styleLbl>
-  <dgm:styleLbl name="sibTrans2D1">
-    <dgm:scene3d>
-      <a:camera prst="orthographicFront"/>
-      <a:lightRig rig="threePt" dir="t"/>
-    </dgm:scene3d>
-    <dgm:sp3d/>
-    <dgm:txPr/>
-    <dgm:style>
-      <a:lnRef idx="0">
-        <a:scrgbClr r="0" g="0" b="0"/>
-      </a:lnRef>
-      <a:fillRef idx="3">
-        <a:scrgbClr r="0" g="0" b="0"/>
-      </a:fillRef>
-      <a:effectRef idx="3">
-        <a:scrgbClr r="0" g="0" b="0"/>
-      </a:effectRef>
-      <a:fontRef idx="minor">
-        <a:schemeClr val="lt1"/>
-      </a:fontRef>
-    </dgm:style>
-  </dgm:styleLbl>
-  <dgm:styleLbl name="fgSibTrans2D1">
-    <dgm:scene3d>
-      <a:camera prst="orthographicFront"/>
-      <a:lightRig rig="threePt" dir="t"/>
-    </dgm:scene3d>
-    <dgm:sp3d/>
-    <dgm:txPr/>
-    <dgm:style>
-      <a:lnRef idx="0">
-        <a:scrgbClr r="0" g="0" b="0"/>
-      </a:lnRef>
-      <a:fillRef idx="3">
-        <a:scrgbClr r="0" g="0" b="0"/>
-      </a:fillRef>
-      <a:effectRef idx="3">
-        <a:scrgbClr r="0" g="0" b="0"/>
-      </a:effectRef>
-      <a:fontRef idx="minor">
-        <a:schemeClr val="lt1"/>
-      </a:fontRef>
-    </dgm:style>
-  </dgm:styleLbl>
-  <dgm:styleLbl name="bgSibTrans2D1">
-    <dgm:scene3d>
-      <a:camera prst="orthographicFront"/>
-      <a:lightRig rig="threePt" dir="t"/>
-    </dgm:scene3d>
-    <dgm:sp3d/>
-    <dgm:txPr/>
-    <dgm:style>
-      <a:lnRef idx="0">
-        <a:scrgbClr r="0" g="0" b="0"/>
-      </a:lnRef>
-      <a:fillRef idx="3">
-        <a:scrgbClr r="0" g="0" b="0"/>
-      </a:fillRef>
-      <a:effectRef idx="3">
-        <a:scrgbClr r="0" g="0" b="0"/>
-      </a:effectRef>
-      <a:fontRef idx="minor">
-        <a:schemeClr val="lt1"/>
-      </a:fontRef>
-    </dgm:style>
-  </dgm:styleLbl>
-  <dgm:styleLbl name="sibTrans1D1">
-    <dgm:scene3d>
-      <a:camera prst="orthographicFront"/>
-      <a:lightRig rig="threePt" dir="t"/>
-    </dgm:scene3d>
-    <dgm:sp3d/>
-    <dgm:txPr/>
-    <dgm:style>
-      <a:lnRef idx="1">
-        <a:scrgbClr r="0" g="0" b="0"/>
-      </a:lnRef>
-      <a:fillRef idx="0">
-        <a:scrgbClr r="0" g="0" b="0"/>
-      </a:fillRef>
-      <a:effectRef idx="0">
-        <a:scrgbClr r="0" g="0" b="0"/>
-      </a:effectRef>
-      <a:fontRef idx="minor"/>
-    </dgm:style>
-  </dgm:styleLbl>
-  <dgm:styleLbl name="callout">
-    <dgm:scene3d>
-      <a:camera prst="orthographicFront"/>
-      <a:lightRig rig="threePt" dir="t"/>
-    </dgm:scene3d>
-    <dgm:sp3d/>
-    <dgm:txPr/>
-    <dgm:style>
-      <a:lnRef idx="1">
-        <a:scrgbClr r="0" g="0" b="0"/>
-      </a:lnRef>
-      <a:fillRef idx="0">
-        <a:scrgbClr r="0" g="0" b="0"/>
-      </a:fillRef>
-      <a:effectRef idx="1">
-        <a:scrgbClr r="0" g="0" b="0"/>
-      </a:effectRef>
-      <a:fontRef idx="minor"/>
-    </dgm:style>
-  </dgm:styleLbl>
-  <dgm:styleLbl name="asst0">
-    <dgm:scene3d>
-      <a:camera prst="orthographicFront"/>
-      <a:lightRig rig="threePt" dir="t"/>
-    </dgm:scene3d>
-    <dgm:sp3d/>
-    <dgm:txPr/>
-    <dgm:style>
-      <a:lnRef idx="0">
-        <a:scrgbClr r="0" g="0" b="0"/>
-      </a:lnRef>
-      <a:fillRef idx="3">
-        <a:scrgbClr r="0" g="0" b="0"/>
-      </a:fillRef>
-      <a:effectRef idx="3">
-        <a:scrgbClr r="0" g="0" b="0"/>
-      </a:effectRef>
-      <a:fontRef idx="minor">
-        <a:schemeClr val="lt1"/>
-      </a:fontRef>
-    </dgm:style>
-  </dgm:styleLbl>
-  <dgm:styleLbl name="asst1">
-    <dgm:scene3d>
-      <a:camera prst="orthographicFront"/>
-      <a:lightRig rig="threePt" dir="t"/>
-    </dgm:scene3d>
-    <dgm:sp3d/>
-    <dgm:txPr/>
-    <dgm:style>
-      <a:lnRef idx="0">
-        <a:scrgbClr r="0" g="0" b="0"/>
-      </a:lnRef>
-      <a:fillRef idx="3">
-        <a:scrgbClr r="0" g="0" b="0"/>
-      </a:fillRef>
-      <a:effectRef idx="3">
-        <a:scrgbClr r="0" g="0" b="0"/>
-      </a:effectRef>
-      <a:fontRef idx="minor">
-        <a:schemeClr val="lt1"/>
-      </a:fontRef>
-    </dgm:style>
-  </dgm:styleLbl>
-  <dgm:styleLbl name="asst2">
-    <dgm:scene3d>
-      <a:camera prst="orthographicFront"/>
-      <a:lightRig rig="threePt" dir="t"/>
-    </dgm:scene3d>
-    <dgm:sp3d/>
-    <dgm:txPr/>
-    <dgm:style>
-      <a:lnRef idx="0">
-        <a:scrgbClr r="0" g="0" b="0"/>
-      </a:lnRef>
-      <a:fillRef idx="3">
-        <a:scrgbClr r="0" g="0" b="0"/>
-      </a:fillRef>
-      <a:effectRef idx="3">
-        <a:scrgbClr r="0" g="0" b="0"/>
-      </a:effectRef>
-      <a:fontRef idx="minor">
-        <a:schemeClr val="lt1"/>
-      </a:fontRef>
-    </dgm:style>
-  </dgm:styleLbl>
-  <dgm:styleLbl name="asst3">
-    <dgm:scene3d>
-      <a:camera prst="orthographicFront"/>
-      <a:lightRig rig="threePt" dir="t"/>
-    </dgm:scene3d>
-    <dgm:sp3d/>
-    <dgm:txPr/>
-    <dgm:style>
-      <a:lnRef idx="0">
-        <a:scrgbClr r="0" g="0" b="0"/>
-      </a:lnRef>
-      <a:fillRef idx="3">
-        <a:scrgbClr r="0" g="0" b="0"/>
-      </a:fillRef>
-      <a:effectRef idx="3">
-        <a:scrgbClr r="0" g="0" b="0"/>
-      </a:effectRef>
-      <a:fontRef idx="minor">
-        <a:schemeClr val="lt1"/>
-      </a:fontRef>
-    </dgm:style>
-  </dgm:styleLbl>
-  <dgm:styleLbl name="asst4">
-    <dgm:scene3d>
-      <a:camera prst="orthographicFront"/>
-      <a:lightRig rig="threePt" dir="t"/>
-    </dgm:scene3d>
-    <dgm:sp3d/>
-    <dgm:txPr/>
-    <dgm:style>
-      <a:lnRef idx="0">
-        <a:scrgbClr r="0" g="0" b="0"/>
-      </a:lnRef>
-      <a:fillRef idx="3">
-        <a:scrgbClr r="0" g="0" b="0"/>
-      </a:fillRef>
-      <a:effectRef idx="3">
-        <a:scrgbClr r="0" g="0" b="0"/>
-      </a:effectRef>
-      <a:fontRef idx="minor">
-        <a:schemeClr val="lt1"/>
-      </a:fontRef>
-    </dgm:style>
-  </dgm:styleLbl>
-  <dgm:styleLbl name="parChTrans2D1">
-    <dgm:scene3d>
-      <a:camera prst="orthographicFront"/>
-      <a:lightRig rig="threePt" dir="t"/>
-    </dgm:scene3d>
-    <dgm:sp3d/>
-    <dgm:txPr/>
-    <dgm:style>
-      <a:lnRef idx="0">
-        <a:scrgbClr r="0" g="0" b="0"/>
-      </a:lnRef>
-      <a:fillRef idx="3">
-        <a:scrgbClr r="0" g="0" b="0"/>
-      </a:fillRef>
-      <a:effectRef idx="3">
-        <a:scrgbClr r="0" g="0" b="0"/>
-      </a:effectRef>
-      <a:fontRef idx="minor">
-        <a:schemeClr val="lt1"/>
-      </a:fontRef>
-    </dgm:style>
-  </dgm:styleLbl>
-  <dgm:styleLbl name="parChTrans2D2">
-    <dgm:scene3d>
-      <a:camera prst="orthographicFront"/>
-      <a:lightRig rig="threePt" dir="t"/>
-    </dgm:scene3d>
-    <dgm:sp3d/>
-    <dgm:txPr/>
-    <dgm:style>
-      <a:lnRef idx="0">
-        <a:scrgbClr r="0" g="0" b="0"/>
-      </a:lnRef>
-      <a:fillRef idx="3">
-        <a:scrgbClr r="0" g="0" b="0"/>
-      </a:fillRef>
-      <a:effectRef idx="3">
-        <a:scrgbClr r="0" g="0" b="0"/>
-      </a:effectRef>
-      <a:fontRef idx="minor">
-        <a:schemeClr val="lt1"/>
-      </a:fontRef>
-    </dgm:style>
-  </dgm:styleLbl>
-  <dgm:styleLbl name="parChTrans2D3">
-    <dgm:scene3d>
-      <a:camera prst="orthographicFront"/>
-      <a:lightRig rig="threePt" dir="t"/>
-    </dgm:scene3d>
-    <dgm:sp3d/>
-    <dgm:txPr/>
-    <dgm:style>
-      <a:lnRef idx="0">
-        <a:scrgbClr r="0" g="0" b="0"/>
-      </a:lnRef>
-      <a:fillRef idx="3">
-        <a:scrgbClr r="0" g="0" b="0"/>
-      </a:fillRef>
-      <a:effectRef idx="3">
-        <a:scrgbClr r="0" g="0" b="0"/>
-      </a:effectRef>
-      <a:fontRef idx="minor">
-        <a:schemeClr val="lt1"/>
-      </a:fontRef>
-    </dgm:style>
-  </dgm:styleLbl>
-  <dgm:styleLbl name="parChTrans2D4">
-    <dgm:scene3d>
-      <a:camera prst="orthographicFront"/>
-      <a:lightRig rig="threePt" dir="t"/>
-    </dgm:scene3d>
-    <dgm:sp3d/>
-    <dgm:txPr/>
-    <dgm:style>
-      <a:lnRef idx="0">
-        <a:scrgbClr r="0" g="0" b="0"/>
-      </a:lnRef>
-      <a:fillRef idx="3">
-        <a:scrgbClr r="0" g="0" b="0"/>
-      </a:fillRef>
-      <a:effectRef idx="3">
-        <a:scrgbClr r="0" g="0" b="0"/>
-      </a:effectRef>
-      <a:fontRef idx="minor">
-        <a:schemeClr val="lt1"/>
-      </a:fontRef>
-    </dgm:style>
-  </dgm:styleLbl>
-  <dgm:styleLbl name="parChTrans1D1">
-    <dgm:scene3d>
-      <a:camera prst="orthographicFront"/>
-      <a:lightRig rig="threePt" dir="t"/>
-    </dgm:scene3d>
-    <dgm:sp3d/>
-    <dgm:txPr/>
-    <dgm:style>
-      <a:lnRef idx="2">
-        <a:scrgbClr r="0" g="0" b="0"/>
-      </a:lnRef>
-      <a:fillRef idx="0">
-        <a:scrgbClr r="0" g="0" b="0"/>
-      </a:fillRef>
-      <a:effectRef idx="0">
-        <a:scrgbClr r="0" g="0" b="0"/>
-      </a:effectRef>
-      <a:fontRef idx="minor"/>
-    </dgm:style>
-  </dgm:styleLbl>
-  <dgm:styleLbl name="parChTrans1D2">
-    <dgm:scene3d>
-      <a:camera prst="orthographicFront"/>
-      <a:lightRig rig="threePt" dir="t"/>
-    </dgm:scene3d>
-    <dgm:sp3d/>
-    <dgm:txPr/>
-    <dgm:style>
-      <a:lnRef idx="2">
-        <a:scrgbClr r="0" g="0" b="0"/>
-      </a:lnRef>
-      <a:fillRef idx="0">
-        <a:scrgbClr r="0" g="0" b="0"/>
-      </a:fillRef>
-      <a:effectRef idx="0">
-        <a:scrgbClr r="0" g="0" b="0"/>
-      </a:effectRef>
-      <a:fontRef idx="minor"/>
-    </dgm:style>
-  </dgm:styleLbl>
-  <dgm:styleLbl name="parChTrans1D3">
-    <dgm:scene3d>
-      <a:camera prst="orthographicFront"/>
-      <a:lightRig rig="threePt" dir="t"/>
-    </dgm:scene3d>
-    <dgm:sp3d/>
-    <dgm:txPr/>
-    <dgm:style>
-      <a:lnRef idx="2">
-        <a:scrgbClr r="0" g="0" b="0"/>
-      </a:lnRef>
-      <a:fillRef idx="0">
-        <a:scrgbClr r="0" g="0" b="0"/>
-      </a:fillRef>
-      <a:effectRef idx="0">
-        <a:scrgbClr r="0" g="0" b="0"/>
-      </a:effectRef>
-      <a:fontRef idx="minor"/>
-    </dgm:style>
-  </dgm:styleLbl>
-  <dgm:styleLbl name="parChTrans1D4">
-    <dgm:scene3d>
-      <a:camera prst="orthographicFront"/>
-      <a:lightRig rig="threePt" dir="t"/>
-    </dgm:scene3d>
-    <dgm:sp3d/>
-    <dgm:txPr/>
-    <dgm:style>
-      <a:lnRef idx="2">
-        <a:scrgbClr r="0" g="0" b="0"/>
-      </a:lnRef>
-      <a:fillRef idx="0">
-        <a:scrgbClr r="0" g="0" b="0"/>
-      </a:fillRef>
-      <a:effectRef idx="0">
-        <a:scrgbClr r="0" g="0" b="0"/>
-      </a:effectRef>
-      <a:fontRef idx="minor"/>
-    </dgm:style>
-  </dgm:styleLbl>
-  <dgm:styleLbl name="fgAcc1">
-    <dgm:scene3d>
-      <a:camera prst="orthographicFront"/>
-      <a:lightRig rig="threePt" dir="t"/>
-    </dgm:scene3d>
-    <dgm:sp3d/>
-    <dgm:txPr/>
-    <dgm:style>
-      <a:lnRef idx="1">
-        <a:scrgbClr r="0" g="0" b="0"/>
-      </a:lnRef>
-      <a:fillRef idx="1">
-        <a:scrgbClr r="0" g="0" b="0"/>
-      </a:fillRef>
-      <a:effectRef idx="2">
-        <a:scrgbClr r="0" g="0" b="0"/>
-      </a:effectRef>
-      <a:fontRef idx="minor"/>
-    </dgm:style>
-  </dgm:styleLbl>
-  <dgm:styleLbl name="conFgAcc1">
-    <dgm:scene3d>
-      <a:camera prst="orthographicFront"/>
-      <a:lightRig rig="threePt" dir="t"/>
-    </dgm:scene3d>
-    <dgm:sp3d/>
-    <dgm:txPr/>
-    <dgm:style>
-      <a:lnRef idx="1">
-        <a:scrgbClr r="0" g="0" b="0"/>
-      </a:lnRef>
-      <a:fillRef idx="1">
-        <a:scrgbClr r="0" g="0" b="0"/>
-      </a:fillRef>
-      <a:effectRef idx="2">
-        <a:scrgbClr r="0" g="0" b="0"/>
-      </a:effectRef>
-      <a:fontRef idx="minor"/>
-    </dgm:style>
-  </dgm:styleLbl>
-  <dgm:styleLbl name="alignAcc1">
-    <dgm:scene3d>
-      <a:camera prst="orthographicFront"/>
-      <a:lightRig rig="threePt" dir="t"/>
-    </dgm:scene3d>
-    <dgm:sp3d/>
-    <dgm:txPr/>
-    <dgm:style>
-      <a:lnRef idx="1">
-        <a:scrgbClr r="0" g="0" b="0"/>
-      </a:lnRef>
-      <a:fillRef idx="1">
-        <a:scrgbClr r="0" g="0" b="0"/>
-      </a:fillRef>
-      <a:effectRef idx="2">
-        <a:scrgbClr r="0" g="0" b="0"/>
-      </a:effectRef>
-      <a:fontRef idx="minor"/>
-    </dgm:style>
-  </dgm:styleLbl>
-  <dgm:styleLbl name="trAlignAcc1">
-    <dgm:scene3d>
-      <a:camera prst="orthographicFront"/>
-      <a:lightRig rig="threePt" dir="t"/>
-    </dgm:scene3d>
-    <dgm:sp3d/>
-    <dgm:txPr/>
-    <dgm:style>
-      <a:lnRef idx="1">
-        <a:scrgbClr r="0" g="0" b="0"/>
-      </a:lnRef>
-      <a:fillRef idx="1">
-        <a:scrgbClr r="0" g="0" b="0"/>
-      </a:fillRef>
-      <a:effectRef idx="0">
-        <a:scrgbClr r="0" g="0" b="0"/>
-      </a:effectRef>
-      <a:fontRef idx="minor"/>
-    </dgm:style>
-  </dgm:styleLbl>
-  <dgm:styleLbl name="bgAcc1">
-    <dgm:scene3d>
-      <a:camera prst="orthographicFront"/>
-      <a:lightRig rig="threePt" dir="t"/>
-    </dgm:scene3d>
-    <dgm:sp3d/>
-    <dgm:txPr/>
-    <dgm:style>
-      <a:lnRef idx="1">
-        <a:scrgbClr r="0" g="0" b="0"/>
-      </a:lnRef>
-      <a:fillRef idx="1">
-        <a:scrgbClr r="0" g="0" b="0"/>
-      </a:fillRef>
-      <a:effectRef idx="2">
-        <a:scrgbClr r="0" g="0" b="0"/>
-      </a:effectRef>
-      <a:fontRef idx="minor"/>
-    </dgm:style>
-  </dgm:styleLbl>
-  <dgm:styleLbl name="solidFgAcc1">
-    <dgm:scene3d>
-      <a:camera prst="orthographicFront"/>
-      <a:lightRig rig="threePt" dir="t"/>
-    </dgm:scene3d>
-    <dgm:sp3d/>
-    <dgm:txPr/>
-    <dgm:style>
-      <a:lnRef idx="1">
-        <a:scrgbClr r="0" g="0" b="0"/>
-      </a:lnRef>
-      <a:fillRef idx="1">
-        <a:scrgbClr r="0" g="0" b="0"/>
-      </a:fillRef>
-      <a:effectRef idx="2">
-        <a:scrgbClr r="0" g="0" b="0"/>
-      </a:effectRef>
-      <a:fontRef idx="minor"/>
-    </dgm:style>
-  </dgm:styleLbl>
-  <dgm:styleLbl name="solidAlignAcc1">
-    <dgm:scene3d>
-      <a:camera prst="orthographicFront"/>
-      <a:lightRig rig="threePt" dir="t"/>
-    </dgm:scene3d>
-    <dgm:sp3d/>
-    <dgm:txPr/>
-    <dgm:style>
-      <a:lnRef idx="1">
-        <a:scrgbClr r="0" g="0" b="0"/>
-      </a:lnRef>
-      <a:fillRef idx="1">
-        <a:scrgbClr r="0" g="0" b="0"/>
-      </a:fillRef>
-      <a:effectRef idx="3">
-        <a:scrgbClr r="0" g="0" b="0"/>
-      </a:effectRef>
-      <a:fontRef idx="minor"/>
-    </dgm:style>
-  </dgm:styleLbl>
-  <dgm:styleLbl name="solidBgAcc1">
-    <dgm:scene3d>
-      <a:camera prst="orthographicFront"/>
-      <a:lightRig rig="threePt" dir="t"/>
-    </dgm:scene3d>
-    <dgm:sp3d/>
-    <dgm:txPr/>
-    <dgm:style>
-      <a:lnRef idx="1">
-        <a:scrgbClr r="0" g="0" b="0"/>
-      </a:lnRef>
-      <a:fillRef idx="1">
-        <a:scrgbClr r="0" g="0" b="0"/>
-      </a:fillRef>
-      <a:effectRef idx="3">
-        <a:scrgbClr r="0" g="0" b="0"/>
-      </a:effectRef>
-      <a:fontRef idx="minor"/>
-    </dgm:style>
-  </dgm:styleLbl>
-  <dgm:styleLbl name="fgAccFollowNode1">
-    <dgm:scene3d>
-      <a:camera prst="orthographicFront"/>
-      <a:lightRig rig="threePt" dir="t"/>
-    </dgm:scene3d>
-    <dgm:sp3d/>
-    <dgm:txPr/>
-    <dgm:style>
-      <a:lnRef idx="1">
-        <a:scrgbClr r="0" g="0" b="0"/>
-      </a:lnRef>
-      <a:fillRef idx="1">
-        <a:scrgbClr r="0" g="0" b="0"/>
-      </a:fillRef>
-      <a:effectRef idx="2">
-        <a:scrgbClr r="0" g="0" b="0"/>
-      </a:effectRef>
-      <a:fontRef idx="minor"/>
-    </dgm:style>
-  </dgm:styleLbl>
-  <dgm:styleLbl name="alignAccFollowNode1">
-    <dgm:scene3d>
-      <a:camera prst="orthographicFront"/>
-      <a:lightRig rig="threePt" dir="t"/>
-    </dgm:scene3d>
-    <dgm:sp3d/>
-    <dgm:txPr/>
-    <dgm:style>
-      <a:lnRef idx="1">
-        <a:scrgbClr r="0" g="0" b="0"/>
-      </a:lnRef>
-      <a:fillRef idx="1">
-        <a:scrgbClr r="0" g="0" b="0"/>
-      </a:fillRef>
-      <a:effectRef idx="2">
-        <a:scrgbClr r="0" g="0" b="0"/>
-      </a:effectRef>
-      <a:fontRef idx="minor"/>
-    </dgm:style>
-  </dgm:styleLbl>
-  <dgm:styleLbl name="bgAccFollowNode1">
-    <dgm:scene3d>
-      <a:camera prst="orthographicFront"/>
-      <a:lightRig rig="threePt" dir="t"/>
-    </dgm:scene3d>
-    <dgm:sp3d/>
-    <dgm:txPr/>
-    <dgm:style>
-      <a:lnRef idx="1">
-        <a:scrgbClr r="0" g="0" b="0"/>
-      </a:lnRef>
-      <a:fillRef idx="1">
-        <a:scrgbClr r="0" g="0" b="0"/>
-      </a:fillRef>
-      <a:effectRef idx="2">
-        <a:scrgbClr r="0" g="0" b="0"/>
-      </a:effectRef>
-      <a:fontRef idx="minor"/>
-    </dgm:style>
-  </dgm:styleLbl>
-  <dgm:styleLbl name="fgAcc0">
-    <dgm:scene3d>
-      <a:camera prst="orthographicFront"/>
-      <a:lightRig rig="threePt" dir="t"/>
-    </dgm:scene3d>
-    <dgm:sp3d/>
-    <dgm:txPr/>
-    <dgm:style>
-      <a:lnRef idx="1">
-        <a:scrgbClr r="0" g="0" b="0"/>
-      </a:lnRef>
-      <a:fillRef idx="1">
-        <a:scrgbClr r="0" g="0" b="0"/>
-      </a:fillRef>
-      <a:effectRef idx="2">
-        <a:scrgbClr r="0" g="0" b="0"/>
-      </a:effectRef>
-      <a:fontRef idx="minor"/>
-    </dgm:style>
-  </dgm:styleLbl>
-  <dgm:styleLbl name="fgAcc2">
-    <dgm:scene3d>
-      <a:camera prst="orthographicFront"/>
-      <a:lightRig rig="threePt" dir="t"/>
-    </dgm:scene3d>
-    <dgm:sp3d/>
-    <dgm:txPr/>
-    <dgm:style>
-      <a:lnRef idx="1">
-        <a:scrgbClr r="0" g="0" b="0"/>
-      </a:lnRef>
-      <a:fillRef idx="1">
-        <a:scrgbClr r="0" g="0" b="0"/>
-      </a:fillRef>
-      <a:effectRef idx="2">
-        <a:scrgbClr r="0" g="0" b="0"/>
-      </a:effectRef>
-      <a:fontRef idx="minor"/>
-    </dgm:style>
-  </dgm:styleLbl>
-  <dgm:styleLbl name="fgAcc3">
-    <dgm:scene3d>
-      <a:camera prst="orthographicFront"/>
-      <a:lightRig rig="threePt" dir="t"/>
-    </dgm:scene3d>
-    <dgm:sp3d/>
-    <dgm:txPr/>
-    <dgm:style>
-      <a:lnRef idx="1">
-        <a:scrgbClr r="0" g="0" b="0"/>
-      </a:lnRef>
-      <a:fillRef idx="1">
-        <a:scrgbClr r="0" g="0" b="0"/>
-      </a:fillRef>
-      <a:effectRef idx="2">
-        <a:scrgbClr r="0" g="0" b="0"/>
-      </a:effectRef>
-      <a:fontRef idx="minor"/>
-    </dgm:style>
-  </dgm:styleLbl>
-  <dgm:styleLbl name="fgAcc4">
-    <dgm:scene3d>
-      <a:camera prst="orthographicFront"/>
-      <a:lightRig rig="threePt" dir="t"/>
-    </dgm:scene3d>
-    <dgm:sp3d/>
-    <dgm:txPr/>
-    <dgm:style>
-      <a:lnRef idx="1">
-        <a:scrgbClr r="0" g="0" b="0"/>
-      </a:lnRef>
-      <a:fillRef idx="1">
-        <a:scrgbClr r="0" g="0" b="0"/>
-      </a:fillRef>
-      <a:effectRef idx="2">
-        <a:scrgbClr r="0" g="0" b="0"/>
-      </a:effectRef>
-      <a:fontRef idx="minor"/>
-    </dgm:style>
-  </dgm:styleLbl>
-  <dgm:styleLbl name="bgShp">
-    <dgm:scene3d>
-      <a:camera prst="orthographicFront"/>
-      <a:lightRig rig="threePt" dir="t"/>
-    </dgm:scene3d>
-    <dgm:sp3d/>
-    <dgm:txPr/>
-    <dgm:style>
-      <a:lnRef idx="0">
-        <a:scrgbClr r="0" g="0" b="0"/>
-      </a:lnRef>
-      <a:fillRef idx="1">
-        <a:scrgbClr r="0" g="0" b="0"/>
-      </a:fillRef>
-      <a:effectRef idx="2">
-        <a:scrgbClr r="0" g="0" b="0"/>
-      </a:effectRef>
-      <a:fontRef idx="minor"/>
-    </dgm:style>
-  </dgm:styleLbl>
-  <dgm:styleLbl name="dkBgShp">
-    <dgm:scene3d>
-      <a:camera prst="orthographicFront"/>
-      <a:lightRig rig="threePt" dir="t"/>
-    </dgm:scene3d>
-    <dgm:sp3d/>
-    <dgm:txPr/>
-    <dgm:style>
-      <a:lnRef idx="0">
-        <a:scrgbClr r="0" g="0" b="0"/>
-      </a:lnRef>
-      <a:fillRef idx="1">
-        <a:scrgbClr r="0" g="0" b="0"/>
-      </a:fillRef>
-      <a:effectRef idx="3">
-        <a:scrgbClr r="0" g="0" b="0"/>
-      </a:effectRef>
-      <a:fontRef idx="minor"/>
-    </dgm:style>
-  </dgm:styleLbl>
-  <dgm:styleLbl name="trBgShp">
-    <dgm:scene3d>
-      <a:camera prst="orthographicFront"/>
-      <a:lightRig rig="threePt" dir="t"/>
-    </dgm:scene3d>
-    <dgm:sp3d/>
-    <dgm:txPr/>
-    <dgm:style>
-      <a:lnRef idx="0">
-        <a:scrgbClr r="0" g="0" b="0"/>
-      </a:lnRef>
-      <a:fillRef idx="1">
-        <a:scrgbClr r="0" g="0" b="0"/>
-      </a:fillRef>
-      <a:effectRef idx="0">
-        <a:scrgbClr r="0" g="0" b="0"/>
-      </a:effectRef>
-      <a:fontRef idx="minor"/>
-    </dgm:style>
-  </dgm:styleLbl>
-  <dgm:styleLbl name="fgShp">
-    <dgm:scene3d>
-      <a:camera prst="orthographicFront"/>
-      <a:lightRig rig="threePt" dir="t"/>
-    </dgm:scene3d>
-    <dgm:sp3d/>
-    <dgm:txPr/>
-    <dgm:style>
-      <a:lnRef idx="0">
-        <a:scrgbClr r="0" g="0" b="0"/>
-      </a:lnRef>
-      <a:fillRef idx="3">
-        <a:scrgbClr r="0" g="0" b="0"/>
-      </a:fillRef>
-      <a:effectRef idx="3">
-        <a:scrgbClr r="0" g="0" b="0"/>
-      </a:effectRef>
-      <a:fontRef idx="minor"/>
-    </dgm:style>
-  </dgm:styleLbl>
-  <dgm:styleLbl name="revTx">
-    <dgm:scene3d>
-      <a:camera prst="orthographicFront"/>
-      <a:lightRig rig="threePt" dir="t"/>
-    </dgm:scene3d>
-    <dgm:sp3d/>
-    <dgm:txPr/>
-    <dgm:style>
-      <a:lnRef idx="0">
-        <a:scrgbClr r="0" g="0" b="0"/>
-      </a:lnRef>
-      <a:fillRef idx="0">
-        <a:scrgbClr r="0" g="0" b="0"/>
-      </a:fillRef>
-      <a:effectRef idx="0">
-        <a:scrgbClr r="0" g="0" b="0"/>
-      </a:effectRef>
-      <a:fontRef idx="minor"/>
-    </dgm:style>
-  </dgm:styleLbl>
-</dgm:styleDef>
-</file>
-
 <file path=ppt/handoutMasters/handoutMaster1.xml><?xml version="1.0" encoding="utf-8"?>
 <p:handoutMaster xmlns:a="http://schemas.openxmlformats.org/drawingml/2006/main" xmlns:r="http://schemas.openxmlformats.org/officeDocument/2006/relationships" xmlns:p="http://schemas.openxmlformats.org/presentationml/2006/main">
   <p:cSld>
@@ -3069,7 +218,7 @@
           <a:p>
             <a:fld id="{65DD71D7-55AC-46BD-81B3-09AB2F9EFBD8}" type="datetimeFigureOut">
               <a:rPr lang="en-US" smtClean="0"/>
-              <a:t>8/5/24</a:t>
+              <a:t>8/6/24</a:t>
             </a:fld>
             <a:endParaRPr lang="en-US"/>
           </a:p>
@@ -3234,7 +383,7 @@
           <a:p>
             <a:fld id="{1F89424F-BB59-4F4E-9822-4CA3E770FFD2}" type="datetimeFigureOut">
               <a:rPr lang="en-US" smtClean="0"/>
-              <a:t>8/5/24</a:t>
+              <a:t>8/6/24</a:t>
             </a:fld>
             <a:endParaRPr lang="en-US"/>
           </a:p>
@@ -3862,7 +1011,7 @@
             <a:fld id="{C9872EE9-AF66-483C-961F-59B9F002993E}" type="datetime1">
               <a:rPr lang="en-US" smtClean="0"/>
               <a:pPr/>
-              <a:t>8/5/24</a:t>
+              <a:t>8/6/24</a:t>
             </a:fld>
             <a:endParaRPr lang="en-US" dirty="0"/>
           </a:p>
@@ -4056,7 +1205,7 @@
             <a:fld id="{C7BEAFD5-7FA3-40FB-875B-457FB46B25A4}" type="datetime1">
               <a:rPr lang="en-US" smtClean="0"/>
               <a:pPr/>
-              <a:t>8/5/24</a:t>
+              <a:t>8/6/24</a:t>
             </a:fld>
             <a:endParaRPr lang="en-US" dirty="0"/>
           </a:p>
@@ -4240,7 +1389,7 @@
             <a:fld id="{89AD63E2-E931-4653-BB33-A910E07D11B2}" type="datetime1">
               <a:rPr lang="en-US" smtClean="0"/>
               <a:pPr/>
-              <a:t>8/5/24</a:t>
+              <a:t>8/6/24</a:t>
             </a:fld>
             <a:endParaRPr lang="en-US" dirty="0"/>
           </a:p>
@@ -4788,7 +1937,7 @@
             <a:fld id="{C9EA1F43-559A-4B47-A959-EFB6142CA3A9}" type="datetime1">
               <a:rPr lang="en-US" smtClean="0"/>
               <a:pPr/>
-              <a:t>8/5/24</a:t>
+              <a:t>8/6/24</a:t>
             </a:fld>
             <a:endParaRPr lang="en-US" dirty="0"/>
           </a:p>
@@ -5235,7 +2384,7 @@
             <a:fld id="{F1261AED-24AE-4AC7-940D-F7106D2788A3}" type="datetime1">
               <a:rPr lang="en-US" smtClean="0"/>
               <a:pPr/>
-              <a:t>8/5/24</a:t>
+              <a:t>8/6/24</a:t>
             </a:fld>
             <a:endParaRPr lang="en-US" dirty="0"/>
           </a:p>
@@ -5368,7 +2517,7 @@
             <a:fld id="{EC425771-5E10-4A19-AB0E-909293152332}" type="datetime1">
               <a:rPr lang="en-US" smtClean="0"/>
               <a:pPr/>
-              <a:t>8/5/24</a:t>
+              <a:t>8/6/24</a:t>
             </a:fld>
             <a:endParaRPr lang="en-US" dirty="0"/>
           </a:p>
@@ -5479,7 +2628,7 @@
             <a:fld id="{03606FD5-B03F-45D5-A178-114C548C0032}" type="datetime1">
               <a:rPr lang="en-US" smtClean="0"/>
               <a:pPr/>
-              <a:t>8/5/24</a:t>
+              <a:t>8/6/24</a:t>
             </a:fld>
             <a:endParaRPr lang="en-US" dirty="0"/>
           </a:p>
@@ -5864,7 +3013,7 @@
             <a:fld id="{E8B012C0-B102-441D-AA86-2C80DFA84E68}" type="datetime1">
               <a:rPr lang="en-US" smtClean="0"/>
               <a:pPr/>
-              <a:t>8/5/24</a:t>
+              <a:t>8/6/24</a:t>
             </a:fld>
             <a:endParaRPr lang="en-US" dirty="0"/>
           </a:p>
@@ -6188,7 +3337,7 @@
             <a:fld id="{601E0B12-F9DE-47EF-A076-CF602073F1B2}" type="datetime1">
               <a:rPr lang="en-US" smtClean="0"/>
               <a:pPr/>
-              <a:t>8/5/24</a:t>
+              <a:t>8/6/24</a:t>
             </a:fld>
             <a:endParaRPr lang="en-US" dirty="0"/>
           </a:p>
@@ -6491,7 +3640,7 @@
             <a:fld id="{C8B93266-8FB4-430B-8AE3-3A53F50E1A0B}" type="datetime1">
               <a:rPr lang="en-US" smtClean="0"/>
               <a:pPr/>
-              <a:t>8/5/24</a:t>
+              <a:t>8/6/24</a:t>
             </a:fld>
             <a:endParaRPr lang="en-US" dirty="0"/>
           </a:p>
@@ -7268,7 +4417,7 @@
             </a:r>
             <a:r>
               <a:rPr lang="en-US" dirty="0"/>
-              <a:t> Compare GA results to </a:t>
+              <a:t> Compare GA results to cornerstone algorithm (</a:t>
             </a:r>
             <a:r>
               <a:rPr lang="en-US" dirty="0" err="1"/>
@@ -7276,7 +4425,7 @@
             </a:r>
             <a:r>
               <a:rPr lang="en-US" dirty="0"/>
-              <a:t> results</a:t>
+              <a:t>, MUSCLE) results</a:t>
             </a:r>
           </a:p>
           <a:p>
@@ -7473,7 +4622,7 @@
             </a:r>
             <a:r>
               <a:rPr lang="en-US" dirty="0"/>
-              <a:t> results</a:t>
+              <a:t> and MUSCLE results</a:t>
             </a:r>
           </a:p>
         </p:txBody>
@@ -7558,14 +4707,14 @@
             <p:ph idx="1"/>
             <p:extLst>
               <p:ext uri="{D42A27DB-BD31-4B8C-83A1-F6EECF244321}">
-                <p14:modId xmlns:p14="http://schemas.microsoft.com/office/powerpoint/2010/main" val="2023020238"/>
+                <p14:modId xmlns:p14="http://schemas.microsoft.com/office/powerpoint/2010/main" val="2871093435"/>
               </p:ext>
             </p:extLst>
           </p:nvPr>
         </p:nvGraphicFramePr>
         <p:xfrm>
           <a:off x="1295400" y="1828800"/>
-          <a:ext cx="9601200" cy="1112520"/>
+          <a:ext cx="9601200" cy="1483360"/>
         </p:xfrm>
         <a:graphic>
           <a:graphicData uri="http://schemas.openxmlformats.org/drawingml/2006/table">
@@ -7664,7 +4813,7 @@
                     <a:p>
                       <a:r>
                         <a:rPr lang="en-US" dirty="0"/>
-                        <a:t>Genetic Algorithm </a:t>
+                        <a:t>MUSCLE</a:t>
                       </a:r>
                     </a:p>
                   </a:txBody>
@@ -7677,8 +4826,38 @@
                     <a:p>
                       <a:r>
                         <a:rPr lang="en-US" dirty="0"/>
-                        <a:t>28,985.0</a:t>
+                        <a:t>49,117.0</a:t>
                       </a:r>
+                    </a:p>
+                  </a:txBody>
+                  <a:tcPr/>
+                </a:tc>
+                <a:extLst>
+                  <a:ext uri="{0D108BD9-81ED-4DB2-BD59-A6C34878D82A}">
+                    <a16:rowId xmlns:a16="http://schemas.microsoft.com/office/drawing/2014/main" val="666354013"/>
+                  </a:ext>
+                </a:extLst>
+              </a:tr>
+              <a:tr h="370840">
+                <a:tc>
+                  <a:txBody>
+                    <a:bodyPr/>
+                    <a:lstStyle/>
+                    <a:p>
+                      <a:r>
+                        <a:rPr lang="en-US" dirty="0"/>
+                        <a:t>Genetic Algorithm </a:t>
+                      </a:r>
+                    </a:p>
+                  </a:txBody>
+                  <a:tcPr/>
+                </a:tc>
+                <a:tc>
+                  <a:txBody>
+                    <a:bodyPr/>
+                    <a:lstStyle/>
+                    <a:p>
+                      <a:endParaRPr lang="en-US" dirty="0"/>
                     </a:p>
                   </a:txBody>
                   <a:tcPr/>
@@ -7697,471 +4876,6 @@
     <p:extLst>
       <p:ext uri="{BB962C8B-B14F-4D97-AF65-F5344CB8AC3E}">
         <p14:creationId xmlns:p14="http://schemas.microsoft.com/office/powerpoint/2010/main" val="579920876"/>
-      </p:ext>
-    </p:extLst>
-  </p:cSld>
-  <p:clrMapOvr>
-    <a:masterClrMapping/>
-  </p:clrMapOvr>
-  <mc:AlternateContent xmlns:mc="http://schemas.openxmlformats.org/markup-compatibility/2006" xmlns:p14="http://schemas.microsoft.com/office/powerpoint/2010/main">
-    <mc:Choice Requires="p14">
-      <p:transition spd="med" p14:dur="700">
-        <p:fade/>
-      </p:transition>
-    </mc:Choice>
-    <mc:Fallback xmlns="">
-      <p:transition spd="med">
-        <p:fade/>
-      </p:transition>
-    </mc:Fallback>
-  </mc:AlternateContent>
-</p:sld>
-</file>
-
-<file path=ppt/slides/slide6.xml><?xml version="1.0" encoding="utf-8"?>
-<p:sld xmlns:a="http://schemas.openxmlformats.org/drawingml/2006/main" xmlns:r="http://schemas.openxmlformats.org/officeDocument/2006/relationships" xmlns:p="http://schemas.openxmlformats.org/presentationml/2006/main">
-  <p:cSld>
-    <p:spTree>
-      <p:nvGrpSpPr>
-        <p:cNvPr id="1" name=""/>
-        <p:cNvGrpSpPr/>
-        <p:nvPr/>
-      </p:nvGrpSpPr>
-      <p:grpSpPr>
-        <a:xfrm>
-          <a:off x="0" y="0"/>
-          <a:ext cx="0" cy="0"/>
-          <a:chOff x="0" y="0"/>
-          <a:chExt cx="0" cy="0"/>
-        </a:xfrm>
-      </p:grpSpPr>
-      <p:sp>
-        <p:nvSpPr>
-          <p:cNvPr id="2" name="Title 1"/>
-          <p:cNvSpPr>
-            <a:spLocks noGrp="1"/>
-          </p:cNvSpPr>
-          <p:nvPr>
-            <p:ph type="title"/>
-          </p:nvPr>
-        </p:nvSpPr>
-        <p:spPr/>
-        <p:txBody>
-          <a:bodyPr/>
-          <a:lstStyle/>
-          <a:p>
-            <a:r>
-              <a:rPr lang="en-US" dirty="0"/>
-              <a:t>Two content layout with table</a:t>
-            </a:r>
-          </a:p>
-        </p:txBody>
-      </p:sp>
-      <p:sp>
-        <p:nvSpPr>
-          <p:cNvPr id="3" name="Content Placeholder 2"/>
-          <p:cNvSpPr>
-            <a:spLocks noGrp="1"/>
-          </p:cNvSpPr>
-          <p:nvPr>
-            <p:ph sz="half" idx="1"/>
-          </p:nvPr>
-        </p:nvSpPr>
-        <p:spPr/>
-        <p:txBody>
-          <a:bodyPr/>
-          <a:lstStyle/>
-          <a:p>
-            <a:r>
-              <a:rPr lang="en-US" dirty="0"/>
-              <a:t>First bullet point here</a:t>
-            </a:r>
-          </a:p>
-          <a:p>
-            <a:r>
-              <a:rPr lang="en-US" dirty="0"/>
-              <a:t>Second bullet point here</a:t>
-            </a:r>
-          </a:p>
-          <a:p>
-            <a:r>
-              <a:rPr lang="en-US" dirty="0"/>
-              <a:t>Third bullet point here</a:t>
-            </a:r>
-          </a:p>
-        </p:txBody>
-      </p:sp>
-      <p:graphicFrame>
-        <p:nvGraphicFramePr>
-          <p:cNvPr id="5" name="Content Placeholder 4"/>
-          <p:cNvGraphicFramePr>
-            <a:graphicFrameLocks noGrp="1"/>
-          </p:cNvGraphicFramePr>
-          <p:nvPr>
-            <p:ph sz="half" idx="2"/>
-            <p:extLst>
-              <p:ext uri="{D42A27DB-BD31-4B8C-83A1-F6EECF244321}">
-                <p14:modId xmlns:p14="http://schemas.microsoft.com/office/powerpoint/2010/main" val="841279628"/>
-              </p:ext>
-            </p:extLst>
-          </p:nvPr>
-        </p:nvGraphicFramePr>
-        <p:xfrm>
-          <a:off x="6172200" y="1825623"/>
-          <a:ext cx="4724400" cy="2147860"/>
-        </p:xfrm>
-        <a:graphic>
-          <a:graphicData uri="http://schemas.openxmlformats.org/drawingml/2006/table">
-            <a:tbl>
-              <a:tblPr firstRow="1" bandRow="1">
-                <a:tableStyleId>{B301B821-A1FF-4177-AEE7-76D212191A09}</a:tableStyleId>
-              </a:tblPr>
-              <a:tblGrid>
-                <a:gridCol w="1574800">
-                  <a:extLst>
-                    <a:ext uri="{9D8B030D-6E8A-4147-A177-3AD203B41FA5}">
-                      <a16:colId xmlns:a16="http://schemas.microsoft.com/office/drawing/2014/main" val="20000"/>
-                    </a:ext>
-                  </a:extLst>
-                </a:gridCol>
-                <a:gridCol w="1574800">
-                  <a:extLst>
-                    <a:ext uri="{9D8B030D-6E8A-4147-A177-3AD203B41FA5}">
-                      <a16:colId xmlns:a16="http://schemas.microsoft.com/office/drawing/2014/main" val="20001"/>
-                    </a:ext>
-                  </a:extLst>
-                </a:gridCol>
-                <a:gridCol w="1574800">
-                  <a:extLst>
-                    <a:ext uri="{9D8B030D-6E8A-4147-A177-3AD203B41FA5}">
-                      <a16:colId xmlns:a16="http://schemas.microsoft.com/office/drawing/2014/main" val="20002"/>
-                    </a:ext>
-                  </a:extLst>
-                </a:gridCol>
-              </a:tblGrid>
-              <a:tr h="536965">
-                <a:tc>
-                  <a:txBody>
-                    <a:bodyPr/>
-                    <a:lstStyle/>
-                    <a:p>
-                      <a:r>
-                        <a:rPr lang="en-US" dirty="0"/>
-                        <a:t>Class</a:t>
-                      </a:r>
-                    </a:p>
-                  </a:txBody>
-                  <a:tcPr anchor="ctr"/>
-                </a:tc>
-                <a:tc>
-                  <a:txBody>
-                    <a:bodyPr/>
-                    <a:lstStyle/>
-                    <a:p>
-                      <a:pPr algn="ctr"/>
-                      <a:r>
-                        <a:rPr lang="en-US" dirty="0"/>
-                        <a:t>Group 1</a:t>
-                      </a:r>
-                    </a:p>
-                  </a:txBody>
-                  <a:tcPr anchor="ctr"/>
-                </a:tc>
-                <a:tc>
-                  <a:txBody>
-                    <a:bodyPr/>
-                    <a:lstStyle/>
-                    <a:p>
-                      <a:pPr algn="ctr"/>
-                      <a:r>
-                        <a:rPr lang="en-US" dirty="0"/>
-                        <a:t>Group 2</a:t>
-                      </a:r>
-                    </a:p>
-                  </a:txBody>
-                  <a:tcPr anchor="ctr"/>
-                </a:tc>
-                <a:extLst>
-                  <a:ext uri="{0D108BD9-81ED-4DB2-BD59-A6C34878D82A}">
-                    <a16:rowId xmlns:a16="http://schemas.microsoft.com/office/drawing/2014/main" val="10000"/>
-                  </a:ext>
-                </a:extLst>
-              </a:tr>
-              <a:tr h="536965">
-                <a:tc>
-                  <a:txBody>
-                    <a:bodyPr/>
-                    <a:lstStyle/>
-                    <a:p>
-                      <a:r>
-                        <a:rPr lang="en-US" dirty="0"/>
-                        <a:t>Class 1</a:t>
-                      </a:r>
-                    </a:p>
-                  </a:txBody>
-                  <a:tcPr anchor="ctr"/>
-                </a:tc>
-                <a:tc>
-                  <a:txBody>
-                    <a:bodyPr/>
-                    <a:lstStyle/>
-                    <a:p>
-                      <a:pPr algn="ctr"/>
-                      <a:r>
-                        <a:rPr lang="en-US" dirty="0"/>
-                        <a:t>82</a:t>
-                      </a:r>
-                    </a:p>
-                  </a:txBody>
-                  <a:tcPr anchor="ctr"/>
-                </a:tc>
-                <a:tc>
-                  <a:txBody>
-                    <a:bodyPr/>
-                    <a:lstStyle/>
-                    <a:p>
-                      <a:pPr algn="ctr"/>
-                      <a:r>
-                        <a:rPr lang="en-US" dirty="0"/>
-                        <a:t>95</a:t>
-                      </a:r>
-                    </a:p>
-                  </a:txBody>
-                  <a:tcPr anchor="ctr"/>
-                </a:tc>
-                <a:extLst>
-                  <a:ext uri="{0D108BD9-81ED-4DB2-BD59-A6C34878D82A}">
-                    <a16:rowId xmlns:a16="http://schemas.microsoft.com/office/drawing/2014/main" val="10001"/>
-                  </a:ext>
-                </a:extLst>
-              </a:tr>
-              <a:tr h="536965">
-                <a:tc>
-                  <a:txBody>
-                    <a:bodyPr/>
-                    <a:lstStyle/>
-                    <a:p>
-                      <a:r>
-                        <a:rPr lang="en-US" dirty="0"/>
-                        <a:t>Class 2</a:t>
-                      </a:r>
-                    </a:p>
-                  </a:txBody>
-                  <a:tcPr anchor="ctr"/>
-                </a:tc>
-                <a:tc>
-                  <a:txBody>
-                    <a:bodyPr/>
-                    <a:lstStyle/>
-                    <a:p>
-                      <a:pPr algn="ctr"/>
-                      <a:r>
-                        <a:rPr lang="en-US" dirty="0"/>
-                        <a:t>76</a:t>
-                      </a:r>
-                    </a:p>
-                  </a:txBody>
-                  <a:tcPr anchor="ctr"/>
-                </a:tc>
-                <a:tc>
-                  <a:txBody>
-                    <a:bodyPr/>
-                    <a:lstStyle/>
-                    <a:p>
-                      <a:pPr algn="ctr"/>
-                      <a:r>
-                        <a:rPr lang="en-US" dirty="0"/>
-                        <a:t>88</a:t>
-                      </a:r>
-                    </a:p>
-                  </a:txBody>
-                  <a:tcPr anchor="ctr"/>
-                </a:tc>
-                <a:extLst>
-                  <a:ext uri="{0D108BD9-81ED-4DB2-BD59-A6C34878D82A}">
-                    <a16:rowId xmlns:a16="http://schemas.microsoft.com/office/drawing/2014/main" val="10002"/>
-                  </a:ext>
-                </a:extLst>
-              </a:tr>
-              <a:tr h="536965">
-                <a:tc>
-                  <a:txBody>
-                    <a:bodyPr/>
-                    <a:lstStyle/>
-                    <a:p>
-                      <a:r>
-                        <a:rPr lang="en-US" dirty="0"/>
-                        <a:t>Class 3</a:t>
-                      </a:r>
-                    </a:p>
-                  </a:txBody>
-                  <a:tcPr anchor="ctr"/>
-                </a:tc>
-                <a:tc>
-                  <a:txBody>
-                    <a:bodyPr/>
-                    <a:lstStyle/>
-                    <a:p>
-                      <a:pPr algn="ctr"/>
-                      <a:r>
-                        <a:rPr lang="en-US" dirty="0"/>
-                        <a:t>84</a:t>
-                      </a:r>
-                    </a:p>
-                  </a:txBody>
-                  <a:tcPr anchor="ctr"/>
-                </a:tc>
-                <a:tc>
-                  <a:txBody>
-                    <a:bodyPr/>
-                    <a:lstStyle/>
-                    <a:p>
-                      <a:pPr algn="ctr"/>
-                      <a:r>
-                        <a:rPr lang="en-US" dirty="0"/>
-                        <a:t>90</a:t>
-                      </a:r>
-                    </a:p>
-                  </a:txBody>
-                  <a:tcPr anchor="ctr"/>
-                </a:tc>
-                <a:extLst>
-                  <a:ext uri="{0D108BD9-81ED-4DB2-BD59-A6C34878D82A}">
-                    <a16:rowId xmlns:a16="http://schemas.microsoft.com/office/drawing/2014/main" val="10003"/>
-                  </a:ext>
-                </a:extLst>
-              </a:tr>
-            </a:tbl>
-          </a:graphicData>
-        </a:graphic>
-      </p:graphicFrame>
-    </p:spTree>
-    <p:extLst>
-      <p:ext uri="{BB962C8B-B14F-4D97-AF65-F5344CB8AC3E}">
-        <p14:creationId xmlns:p14="http://schemas.microsoft.com/office/powerpoint/2010/main" val="1181435729"/>
-      </p:ext>
-    </p:extLst>
-  </p:cSld>
-  <p:clrMapOvr>
-    <a:masterClrMapping/>
-  </p:clrMapOvr>
-  <mc:AlternateContent xmlns:mc="http://schemas.openxmlformats.org/markup-compatibility/2006" xmlns:p14="http://schemas.microsoft.com/office/powerpoint/2010/main">
-    <mc:Choice Requires="p14">
-      <p:transition spd="med" p14:dur="700">
-        <p:fade/>
-      </p:transition>
-    </mc:Choice>
-    <mc:Fallback xmlns="">
-      <p:transition spd="med">
-        <p:fade/>
-      </p:transition>
-    </mc:Fallback>
-  </mc:AlternateContent>
-</p:sld>
-</file>
-
-<file path=ppt/slides/slide7.xml><?xml version="1.0" encoding="utf-8"?>
-<p:sld xmlns:a="http://schemas.openxmlformats.org/drawingml/2006/main" xmlns:r="http://schemas.openxmlformats.org/officeDocument/2006/relationships" xmlns:p="http://schemas.openxmlformats.org/presentationml/2006/main">
-  <p:cSld>
-    <p:spTree>
-      <p:nvGrpSpPr>
-        <p:cNvPr id="1" name=""/>
-        <p:cNvGrpSpPr/>
-        <p:nvPr/>
-      </p:nvGrpSpPr>
-      <p:grpSpPr>
-        <a:xfrm>
-          <a:off x="0" y="0"/>
-          <a:ext cx="0" cy="0"/>
-          <a:chOff x="0" y="0"/>
-          <a:chExt cx="0" cy="0"/>
-        </a:xfrm>
-      </p:grpSpPr>
-      <p:sp>
-        <p:nvSpPr>
-          <p:cNvPr id="2" name="Title 1"/>
-          <p:cNvSpPr>
-            <a:spLocks noGrp="1"/>
-          </p:cNvSpPr>
-          <p:nvPr>
-            <p:ph type="title"/>
-          </p:nvPr>
-        </p:nvSpPr>
-        <p:spPr/>
-        <p:txBody>
-          <a:bodyPr/>
-          <a:lstStyle/>
-          <a:p>
-            <a:r>
-              <a:rPr lang="en-US" dirty="0"/>
-              <a:t>Two content layout with SmartArt</a:t>
-            </a:r>
-          </a:p>
-        </p:txBody>
-      </p:sp>
-      <p:sp>
-        <p:nvSpPr>
-          <p:cNvPr id="3" name="Content Placeholder 2"/>
-          <p:cNvSpPr>
-            <a:spLocks noGrp="1"/>
-          </p:cNvSpPr>
-          <p:nvPr>
-            <p:ph sz="half" idx="1"/>
-          </p:nvPr>
-        </p:nvSpPr>
-        <p:spPr/>
-        <p:txBody>
-          <a:bodyPr/>
-          <a:lstStyle/>
-          <a:p>
-            <a:r>
-              <a:rPr lang="en-US" dirty="0"/>
-              <a:t>First bullet point here</a:t>
-            </a:r>
-          </a:p>
-          <a:p>
-            <a:r>
-              <a:rPr lang="en-US" dirty="0"/>
-              <a:t>Second bullet point here</a:t>
-            </a:r>
-          </a:p>
-          <a:p>
-            <a:r>
-              <a:rPr lang="en-US" dirty="0"/>
-              <a:t>Third bullet point here</a:t>
-            </a:r>
-          </a:p>
-        </p:txBody>
-      </p:sp>
-      <p:graphicFrame>
-        <p:nvGraphicFramePr>
-          <p:cNvPr id="5" name="Content Placeholder 4" descr="Segmented pyramid showing&#10;interconnected relationships between 4 groups. The Group A, Group 2, Group 3 and Group 4 text appear in triangular shapes"/>
-          <p:cNvGraphicFramePr>
-            <a:graphicFrameLocks noGrp="1"/>
-          </p:cNvGraphicFramePr>
-          <p:nvPr>
-            <p:ph sz="half" idx="2"/>
-            <p:extLst>
-              <p:ext uri="{D42A27DB-BD31-4B8C-83A1-F6EECF244321}">
-                <p14:modId xmlns:p14="http://schemas.microsoft.com/office/powerpoint/2010/main" val="1829960920"/>
-              </p:ext>
-            </p:extLst>
-          </p:nvPr>
-        </p:nvGraphicFramePr>
-        <p:xfrm>
-          <a:off x="6172200" y="1825625"/>
-          <a:ext cx="4724400" cy="4117975"/>
-        </p:xfrm>
-        <a:graphic>
-          <a:graphicData uri="http://schemas.openxmlformats.org/drawingml/2006/diagram">
-            <dgm:relIds xmlns:dgm="http://schemas.openxmlformats.org/drawingml/2006/diagram" xmlns:r="http://schemas.openxmlformats.org/officeDocument/2006/relationships" r:dm="rId2" r:lo="rId3" r:qs="rId4" r:cs="rId5"/>
-          </a:graphicData>
-        </a:graphic>
-      </p:graphicFrame>
-    </p:spTree>
-    <p:extLst>
-      <p:ext uri="{BB962C8B-B14F-4D97-AF65-F5344CB8AC3E}">
-        <p14:creationId xmlns:p14="http://schemas.microsoft.com/office/powerpoint/2010/main" val="2557302982"/>
       </p:ext>
     </p:extLst>
   </p:cSld>

--- a/project_slides.pptx
+++ b/project_slides.pptx
@@ -5,10 +5,10 @@
     <p:sldMasterId id="2147483648" r:id="rId1"/>
   </p:sldMasterIdLst>
   <p:notesMasterIdLst>
-    <p:notesMasterId r:id="rId7"/>
+    <p:notesMasterId r:id="rId9"/>
   </p:notesMasterIdLst>
   <p:handoutMasterIdLst>
-    <p:handoutMasterId r:id="rId8"/>
+    <p:handoutMasterId r:id="rId10"/>
   </p:handoutMasterIdLst>
   <p:sldIdLst>
     <p:sldId id="277" r:id="rId2"/>
@@ -16,6 +16,8 @@
     <p:sldId id="278" r:id="rId4"/>
     <p:sldId id="279" r:id="rId5"/>
     <p:sldId id="268" r:id="rId6"/>
+    <p:sldId id="280" r:id="rId7"/>
+    <p:sldId id="281" r:id="rId8"/>
   </p:sldIdLst>
   <p:sldSz cx="12192000" cy="6858000"/>
   <p:notesSz cx="6858000" cy="9144000"/>
@@ -218,7 +220,7 @@
           <a:p>
             <a:fld id="{65DD71D7-55AC-46BD-81B3-09AB2F9EFBD8}" type="datetimeFigureOut">
               <a:rPr lang="en-US" smtClean="0"/>
-              <a:t>8/6/24</a:t>
+              <a:t>8/7/24</a:t>
             </a:fld>
             <a:endParaRPr lang="en-US"/>
           </a:p>
@@ -383,7 +385,7 @@
           <a:p>
             <a:fld id="{1F89424F-BB59-4F4E-9822-4CA3E770FFD2}" type="datetimeFigureOut">
               <a:rPr lang="en-US" smtClean="0"/>
-              <a:t>8/6/24</a:t>
+              <a:t>8/7/24</a:t>
             </a:fld>
             <a:endParaRPr lang="en-US"/>
           </a:p>
@@ -1011,7 +1013,7 @@
             <a:fld id="{C9872EE9-AF66-483C-961F-59B9F002993E}" type="datetime1">
               <a:rPr lang="en-US" smtClean="0"/>
               <a:pPr/>
-              <a:t>8/6/24</a:t>
+              <a:t>8/7/24</a:t>
             </a:fld>
             <a:endParaRPr lang="en-US" dirty="0"/>
           </a:p>
@@ -1205,7 +1207,7 @@
             <a:fld id="{C7BEAFD5-7FA3-40FB-875B-457FB46B25A4}" type="datetime1">
               <a:rPr lang="en-US" smtClean="0"/>
               <a:pPr/>
-              <a:t>8/6/24</a:t>
+              <a:t>8/7/24</a:t>
             </a:fld>
             <a:endParaRPr lang="en-US" dirty="0"/>
           </a:p>
@@ -1389,7 +1391,7 @@
             <a:fld id="{89AD63E2-E931-4653-BB33-A910E07D11B2}" type="datetime1">
               <a:rPr lang="en-US" smtClean="0"/>
               <a:pPr/>
-              <a:t>8/6/24</a:t>
+              <a:t>8/7/24</a:t>
             </a:fld>
             <a:endParaRPr lang="en-US" dirty="0"/>
           </a:p>
@@ -1937,7 +1939,7 @@
             <a:fld id="{C9EA1F43-559A-4B47-A959-EFB6142CA3A9}" type="datetime1">
               <a:rPr lang="en-US" smtClean="0"/>
               <a:pPr/>
-              <a:t>8/6/24</a:t>
+              <a:t>8/7/24</a:t>
             </a:fld>
             <a:endParaRPr lang="en-US" dirty="0"/>
           </a:p>
@@ -2384,7 +2386,7 @@
             <a:fld id="{F1261AED-24AE-4AC7-940D-F7106D2788A3}" type="datetime1">
               <a:rPr lang="en-US" smtClean="0"/>
               <a:pPr/>
-              <a:t>8/6/24</a:t>
+              <a:t>8/7/24</a:t>
             </a:fld>
             <a:endParaRPr lang="en-US" dirty="0"/>
           </a:p>
@@ -2517,7 +2519,7 @@
             <a:fld id="{EC425771-5E10-4A19-AB0E-909293152332}" type="datetime1">
               <a:rPr lang="en-US" smtClean="0"/>
               <a:pPr/>
-              <a:t>8/6/24</a:t>
+              <a:t>8/7/24</a:t>
             </a:fld>
             <a:endParaRPr lang="en-US" dirty="0"/>
           </a:p>
@@ -2628,7 +2630,7 @@
             <a:fld id="{03606FD5-B03F-45D5-A178-114C548C0032}" type="datetime1">
               <a:rPr lang="en-US" smtClean="0"/>
               <a:pPr/>
-              <a:t>8/6/24</a:t>
+              <a:t>8/7/24</a:t>
             </a:fld>
             <a:endParaRPr lang="en-US" dirty="0"/>
           </a:p>
@@ -3013,7 +3015,7 @@
             <a:fld id="{E8B012C0-B102-441D-AA86-2C80DFA84E68}" type="datetime1">
               <a:rPr lang="en-US" smtClean="0"/>
               <a:pPr/>
-              <a:t>8/6/24</a:t>
+              <a:t>8/7/24</a:t>
             </a:fld>
             <a:endParaRPr lang="en-US" dirty="0"/>
           </a:p>
@@ -3337,7 +3339,7 @@
             <a:fld id="{601E0B12-F9DE-47EF-A076-CF602073F1B2}" type="datetime1">
               <a:rPr lang="en-US" smtClean="0"/>
               <a:pPr/>
-              <a:t>8/6/24</a:t>
+              <a:t>8/7/24</a:t>
             </a:fld>
             <a:endParaRPr lang="en-US" dirty="0"/>
           </a:p>
@@ -3640,7 +3642,7 @@
             <a:fld id="{C8B93266-8FB4-430B-8AE3-3A53F50E1A0B}" type="datetime1">
               <a:rPr lang="en-US" smtClean="0"/>
               <a:pPr/>
-              <a:t>8/6/24</a:t>
+              <a:t>8/7/24</a:t>
             </a:fld>
             <a:endParaRPr lang="en-US" dirty="0"/>
           </a:p>
@@ -4459,9 +4461,6 @@
               <a:t>Optimize alignments through selection, crossover, and mutation.</a:t>
             </a:r>
           </a:p>
-          <a:p>
-            <a:endParaRPr lang="en-US" dirty="0"/>
-          </a:p>
         </p:txBody>
       </p:sp>
     </p:spTree>
@@ -4600,7 +4599,26 @@
             <a:pPr lvl="1"/>
             <a:r>
               <a:rPr lang="en-US" dirty="0"/>
-              <a:t>Evolving Alignments - selection, crossover, and mutation</a:t>
+              <a:t>Evolving Alignments - selection, crossover, and mutation, replacement </a:t>
+            </a:r>
+            <a:r>
+              <a:rPr lang="en-US"/>
+              <a:t>with elitism</a:t>
+            </a:r>
+            <a:endParaRPr lang="en-US" dirty="0"/>
+          </a:p>
+          <a:p>
+            <a:pPr lvl="1"/>
+            <a:r>
+              <a:rPr lang="en-US" dirty="0"/>
+              <a:t>Population Size – 200</a:t>
+            </a:r>
+          </a:p>
+          <a:p>
+            <a:pPr lvl="1"/>
+            <a:r>
+              <a:rPr lang="en-US" dirty="0"/>
+              <a:t>Generations - 2000</a:t>
             </a:r>
           </a:p>
           <a:p>
@@ -4707,14 +4725,14 @@
             <p:ph idx="1"/>
             <p:extLst>
               <p:ext uri="{D42A27DB-BD31-4B8C-83A1-F6EECF244321}">
-                <p14:modId xmlns:p14="http://schemas.microsoft.com/office/powerpoint/2010/main" val="2871093435"/>
+                <p14:modId xmlns:p14="http://schemas.microsoft.com/office/powerpoint/2010/main" val="1789273504"/>
               </p:ext>
             </p:extLst>
           </p:nvPr>
         </p:nvGraphicFramePr>
         <p:xfrm>
-          <a:off x="1295400" y="1828800"/>
-          <a:ext cx="9601200" cy="1483360"/>
+          <a:off x="1295400" y="1828799"/>
+          <a:ext cx="9601200" cy="2783396"/>
         </p:xfrm>
         <a:graphic>
           <a:graphicData uri="http://schemas.openxmlformats.org/drawingml/2006/table">
@@ -4738,12 +4756,13 @@
                   </a:extLst>
                 </a:gridCol>
               </a:tblGrid>
-              <a:tr h="370840">
+              <a:tr h="695849">
                 <a:tc>
                   <a:txBody>
                     <a:bodyPr/>
                     <a:lstStyle/>
                     <a:p>
+                      <a:pPr algn="ctr"/>
                       <a:r>
                         <a:rPr lang="en-US" dirty="0"/>
                         <a:t>Algorithm</a:t>
@@ -4757,6 +4776,7 @@
                     <a:bodyPr/>
                     <a:lstStyle/>
                     <a:p>
+                      <a:pPr algn="ctr"/>
                       <a:r>
                         <a:rPr lang="en-US" dirty="0"/>
                         <a:t>Total Alignment Score (BLOSUM-62 Matrix)</a:t>
@@ -4771,12 +4791,13 @@
                   </a:ext>
                 </a:extLst>
               </a:tr>
-              <a:tr h="370840">
+              <a:tr h="695849">
                 <a:tc>
                   <a:txBody>
                     <a:bodyPr/>
                     <a:lstStyle/>
                     <a:p>
+                      <a:pPr algn="ctr"/>
                       <a:r>
                         <a:rPr lang="en-US" dirty="0" err="1"/>
                         <a:t>ClustalW</a:t>
@@ -4791,6 +4812,7 @@
                     <a:bodyPr/>
                     <a:lstStyle/>
                     <a:p>
+                      <a:pPr algn="ctr"/>
                       <a:r>
                         <a:rPr lang="en-US" dirty="0"/>
                         <a:t>45,590.0</a:t>
@@ -4805,12 +4827,13 @@
                   </a:ext>
                 </a:extLst>
               </a:tr>
-              <a:tr h="370840">
+              <a:tr h="695849">
                 <a:tc>
                   <a:txBody>
                     <a:bodyPr/>
                     <a:lstStyle/>
                     <a:p>
+                      <a:pPr algn="ctr"/>
                       <a:r>
                         <a:rPr lang="en-US" dirty="0"/>
                         <a:t>MUSCLE</a:t>
@@ -4824,6 +4847,7 @@
                     <a:bodyPr/>
                     <a:lstStyle/>
                     <a:p>
+                      <a:pPr algn="ctr"/>
                       <a:r>
                         <a:rPr lang="en-US" dirty="0"/>
                         <a:t>49,117.0</a:t>
@@ -4838,14 +4862,15 @@
                   </a:ext>
                 </a:extLst>
               </a:tr>
-              <a:tr h="370840">
+              <a:tr h="695849">
                 <a:tc>
                   <a:txBody>
                     <a:bodyPr/>
                     <a:lstStyle/>
                     <a:p>
+                      <a:pPr algn="ctr"/>
                       <a:r>
-                        <a:rPr lang="en-US" dirty="0"/>
+                        <a:rPr lang="en-US" b="1" dirty="0"/>
                         <a:t>Genetic Algorithm </a:t>
                       </a:r>
                     </a:p>
@@ -4857,7 +4882,11 @@
                     <a:bodyPr/>
                     <a:lstStyle/>
                     <a:p>
-                      <a:endParaRPr lang="en-US" dirty="0"/>
+                      <a:pPr algn="ctr"/>
+                      <a:r>
+                        <a:rPr lang="en-US" b="1" dirty="0"/>
+                        <a:t>39,876.0</a:t>
+                      </a:r>
                     </a:p>
                   </a:txBody>
                   <a:tcPr/>
@@ -4876,6 +4905,268 @@
     <p:extLst>
       <p:ext uri="{BB962C8B-B14F-4D97-AF65-F5344CB8AC3E}">
         <p14:creationId xmlns:p14="http://schemas.microsoft.com/office/powerpoint/2010/main" val="579920876"/>
+      </p:ext>
+    </p:extLst>
+  </p:cSld>
+  <p:clrMapOvr>
+    <a:masterClrMapping/>
+  </p:clrMapOvr>
+  <mc:AlternateContent xmlns:mc="http://schemas.openxmlformats.org/markup-compatibility/2006" xmlns:p14="http://schemas.microsoft.com/office/powerpoint/2010/main">
+    <mc:Choice Requires="p14">
+      <p:transition spd="med" p14:dur="700">
+        <p:fade/>
+      </p:transition>
+    </mc:Choice>
+    <mc:Fallback xmlns="">
+      <p:transition spd="med">
+        <p:fade/>
+      </p:transition>
+    </mc:Fallback>
+  </mc:AlternateContent>
+</p:sld>
+</file>
+
+<file path=ppt/slides/slide6.xml><?xml version="1.0" encoding="utf-8"?>
+<p:sld xmlns:a="http://schemas.openxmlformats.org/drawingml/2006/main" xmlns:r="http://schemas.openxmlformats.org/officeDocument/2006/relationships" xmlns:p="http://schemas.openxmlformats.org/presentationml/2006/main">
+  <p:cSld>
+    <p:spTree>
+      <p:nvGrpSpPr>
+        <p:cNvPr id="1" name=""/>
+        <p:cNvGrpSpPr/>
+        <p:nvPr/>
+      </p:nvGrpSpPr>
+      <p:grpSpPr>
+        <a:xfrm>
+          <a:off x="0" y="0"/>
+          <a:ext cx="0" cy="0"/>
+          <a:chOff x="0" y="0"/>
+          <a:chExt cx="0" cy="0"/>
+        </a:xfrm>
+      </p:grpSpPr>
+      <p:sp>
+        <p:nvSpPr>
+          <p:cNvPr id="2" name="Title 1">
+            <a:extLst>
+              <a:ext uri="{FF2B5EF4-FFF2-40B4-BE49-F238E27FC236}">
+                <a16:creationId xmlns:a16="http://schemas.microsoft.com/office/drawing/2014/main" id="{B183531C-31C3-7967-8325-22C125882545}"/>
+              </a:ext>
+            </a:extLst>
+          </p:cNvPr>
+          <p:cNvSpPr>
+            <a:spLocks noGrp="1"/>
+          </p:cNvSpPr>
+          <p:nvPr>
+            <p:ph type="title"/>
+          </p:nvPr>
+        </p:nvSpPr>
+        <p:spPr>
+          <a:xfrm>
+            <a:off x="1295400" y="381000"/>
+            <a:ext cx="9601200" cy="1143000"/>
+          </a:xfrm>
+        </p:spPr>
+        <p:txBody>
+          <a:bodyPr anchor="b">
+            <a:normAutofit/>
+          </a:bodyPr>
+          <a:lstStyle/>
+          <a:p>
+            <a:r>
+              <a:rPr lang="en-US" dirty="0"/>
+              <a:t>Fitness graph</a:t>
+            </a:r>
+          </a:p>
+        </p:txBody>
+      </p:sp>
+      <p:pic>
+        <p:nvPicPr>
+          <p:cNvPr id="4" name="Picture 3" descr="A graph with a line drawn on it&#10;&#10;Description automatically generated">
+            <a:extLst>
+              <a:ext uri="{FF2B5EF4-FFF2-40B4-BE49-F238E27FC236}">
+                <a16:creationId xmlns:a16="http://schemas.microsoft.com/office/drawing/2014/main" id="{6A756B22-BEB0-874A-F985-465EACC51F00}"/>
+              </a:ext>
+            </a:extLst>
+          </p:cNvPr>
+          <p:cNvPicPr>
+            <a:picLocks noChangeAspect="1"/>
+          </p:cNvPicPr>
+          <p:nvPr/>
+        </p:nvPicPr>
+        <p:blipFill>
+          <a:blip r:embed="rId2">
+            <a:extLst>
+              <a:ext uri="{28A0092B-C50C-407E-A947-70E740481C1C}">
+                <a14:useLocalDpi xmlns:a14="http://schemas.microsoft.com/office/drawing/2010/main" val="0"/>
+              </a:ext>
+            </a:extLst>
+          </a:blip>
+          <a:stretch>
+            <a:fillRect/>
+          </a:stretch>
+        </p:blipFill>
+        <p:spPr>
+          <a:xfrm>
+            <a:off x="3248387" y="1828800"/>
+            <a:ext cx="5695225" cy="4114800"/>
+          </a:xfrm>
+          <a:prstGeom prst="rect">
+            <a:avLst/>
+          </a:prstGeom>
+          <a:noFill/>
+        </p:spPr>
+      </p:pic>
+    </p:spTree>
+    <p:extLst>
+      <p:ext uri="{BB962C8B-B14F-4D97-AF65-F5344CB8AC3E}">
+        <p14:creationId xmlns:p14="http://schemas.microsoft.com/office/powerpoint/2010/main" val="2632236850"/>
+      </p:ext>
+    </p:extLst>
+  </p:cSld>
+  <p:clrMapOvr>
+    <a:masterClrMapping/>
+  </p:clrMapOvr>
+  <mc:AlternateContent xmlns:mc="http://schemas.openxmlformats.org/markup-compatibility/2006" xmlns:p14="http://schemas.microsoft.com/office/powerpoint/2010/main">
+    <mc:Choice Requires="p14">
+      <p:transition spd="med" p14:dur="700">
+        <p:fade/>
+      </p:transition>
+    </mc:Choice>
+    <mc:Fallback xmlns="">
+      <p:transition spd="med">
+        <p:fade/>
+      </p:transition>
+    </mc:Fallback>
+  </mc:AlternateContent>
+</p:sld>
+</file>
+
+<file path=ppt/slides/slide7.xml><?xml version="1.0" encoding="utf-8"?>
+<p:sld xmlns:a="http://schemas.openxmlformats.org/drawingml/2006/main" xmlns:r="http://schemas.openxmlformats.org/officeDocument/2006/relationships" xmlns:p="http://schemas.openxmlformats.org/presentationml/2006/main">
+  <p:cSld>
+    <p:spTree>
+      <p:nvGrpSpPr>
+        <p:cNvPr id="1" name=""/>
+        <p:cNvGrpSpPr/>
+        <p:nvPr/>
+      </p:nvGrpSpPr>
+      <p:grpSpPr>
+        <a:xfrm>
+          <a:off x="0" y="0"/>
+          <a:ext cx="0" cy="0"/>
+          <a:chOff x="0" y="0"/>
+          <a:chExt cx="0" cy="0"/>
+        </a:xfrm>
+      </p:grpSpPr>
+      <p:sp>
+        <p:nvSpPr>
+          <p:cNvPr id="2" name="Title 1">
+            <a:extLst>
+              <a:ext uri="{FF2B5EF4-FFF2-40B4-BE49-F238E27FC236}">
+                <a16:creationId xmlns:a16="http://schemas.microsoft.com/office/drawing/2014/main" id="{614F37D9-35C0-7FE6-486A-BEBD2A2D3D3D}"/>
+              </a:ext>
+            </a:extLst>
+          </p:cNvPr>
+          <p:cNvSpPr>
+            <a:spLocks noGrp="1"/>
+          </p:cNvSpPr>
+          <p:nvPr>
+            <p:ph type="title"/>
+          </p:nvPr>
+        </p:nvSpPr>
+        <p:spPr/>
+        <p:txBody>
+          <a:bodyPr/>
+          <a:lstStyle/>
+          <a:p>
+            <a:r>
+              <a:rPr lang="en-US" dirty="0"/>
+              <a:t>Conclusion</a:t>
+            </a:r>
+          </a:p>
+        </p:txBody>
+      </p:sp>
+      <p:sp>
+        <p:nvSpPr>
+          <p:cNvPr id="3" name="Content Placeholder 2">
+            <a:extLst>
+              <a:ext uri="{FF2B5EF4-FFF2-40B4-BE49-F238E27FC236}">
+                <a16:creationId xmlns:a16="http://schemas.microsoft.com/office/drawing/2014/main" id="{69602239-DC98-EFCF-25CD-88D7A655E9DF}"/>
+              </a:ext>
+            </a:extLst>
+          </p:cNvPr>
+          <p:cNvSpPr>
+            <a:spLocks noGrp="1"/>
+          </p:cNvSpPr>
+          <p:nvPr>
+            <p:ph idx="1"/>
+          </p:nvPr>
+        </p:nvSpPr>
+        <p:spPr/>
+        <p:txBody>
+          <a:bodyPr/>
+          <a:lstStyle/>
+          <a:p>
+            <a:r>
+              <a:rPr lang="en-US" dirty="0"/>
+              <a:t>Genetic Algorithm produced a decent alignment score comparatively</a:t>
+            </a:r>
+          </a:p>
+          <a:p>
+            <a:r>
+              <a:rPr lang="en-US" dirty="0"/>
+              <a:t>Graph showed more room for convergence</a:t>
+            </a:r>
+          </a:p>
+          <a:p>
+            <a:r>
+              <a:rPr lang="en-US" dirty="0"/>
+              <a:t>Computation time was far greater for the Genetic Algorithm (hours compares to minutes)</a:t>
+            </a:r>
+          </a:p>
+          <a:p>
+            <a:r>
+              <a:rPr lang="en-US" b="1" dirty="0"/>
+              <a:t>Areas for improvement:</a:t>
+            </a:r>
+          </a:p>
+          <a:p>
+            <a:pPr lvl="1"/>
+            <a:r>
+              <a:rPr lang="en-US" dirty="0"/>
+              <a:t>Larger population size</a:t>
+            </a:r>
+          </a:p>
+          <a:p>
+            <a:pPr lvl="1"/>
+            <a:r>
+              <a:rPr lang="en-US" dirty="0"/>
+              <a:t>Run for more generations</a:t>
+            </a:r>
+          </a:p>
+          <a:p>
+            <a:pPr lvl="1"/>
+            <a:r>
+              <a:rPr lang="en-US" dirty="0"/>
+              <a:t>Efficiency improvement </a:t>
+            </a:r>
+          </a:p>
+          <a:p>
+            <a:pPr lvl="1"/>
+            <a:r>
+              <a:rPr lang="en-US" dirty="0"/>
+              <a:t>Dynamic parameter tuning</a:t>
+            </a:r>
+          </a:p>
+          <a:p>
+            <a:pPr lvl="1"/>
+            <a:endParaRPr lang="en-US" dirty="0"/>
+          </a:p>
+        </p:txBody>
+      </p:sp>
+    </p:spTree>
+    <p:extLst>
+      <p:ext uri="{BB962C8B-B14F-4D97-AF65-F5344CB8AC3E}">
+        <p14:creationId xmlns:p14="http://schemas.microsoft.com/office/powerpoint/2010/main" val="4040651725"/>
       </p:ext>
     </p:extLst>
   </p:cSld>
